--- a/make_presentation/templates/templates/classic/_43.pptx
+++ b/make_presentation/templates/templates/classic/_43.pptx
@@ -334,7 +334,7 @@
             <a:pPr algn="r">
               <a:buNone/>
             </a:pPr>
-            <a:fld id="{5313A897-ECAB-4B2F-ABE1-02A396FE8EA4}" type="slidenum">
+            <a:fld id="{1BA6CA5F-F90F-4810-9DD5-87E538E4ADA8}" type="slidenum">
               <a:rPr b="0" lang="en-US" sz="1400" spc="-1" strike="noStrike">
                 <a:latin typeface="Times New Roman"/>
               </a:rPr>
@@ -382,7 +382,7 @@
         <p:spPr>
           <a:xfrm>
             <a:off x="380880" y="685800"/>
-            <a:ext cx="6090840" cy="3423960"/>
+            <a:ext cx="6090480" cy="3423600"/>
           </a:xfrm>
           <a:prstGeom prst="rect">
             <a:avLst/>
@@ -405,7 +405,7 @@
         <p:spPr>
           <a:xfrm>
             <a:off x="685800" y="4343400"/>
-            <a:ext cx="5481360" cy="4109760"/>
+            <a:ext cx="5481000" cy="4109400"/>
           </a:xfrm>
           <a:prstGeom prst="rect">
             <a:avLst/>
@@ -439,7 +439,7 @@
         <p:spPr>
           <a:xfrm>
             <a:off x="3884760" y="8685360"/>
-            <a:ext cx="2966760" cy="452160"/>
+            <a:ext cx="2966400" cy="451800"/>
           </a:xfrm>
           <a:prstGeom prst="rect">
             <a:avLst/>
@@ -475,7 +475,7 @@
               </a:lnSpc>
               <a:buNone/>
             </a:pPr>
-            <a:fld id="{AF7129AB-4EBC-4EB8-ACDD-57D173351379}" type="slidenum">
+            <a:fld id="{BB1BA425-60A5-4DCB-B90A-044C1EA85523}" type="slidenum">
               <a:rPr b="0" lang="en-US" sz="1200" spc="-1" strike="noStrike">
                 <a:solidFill>
                   <a:srgbClr val="000000"/>
@@ -526,7 +526,7 @@
         <p:spPr>
           <a:xfrm>
             <a:off x="380880" y="685800"/>
-            <a:ext cx="6090840" cy="3423960"/>
+            <a:ext cx="6090480" cy="3423600"/>
           </a:xfrm>
           <a:prstGeom prst="rect">
             <a:avLst/>
@@ -549,7 +549,7 @@
         <p:spPr>
           <a:xfrm>
             <a:off x="685800" y="4343400"/>
-            <a:ext cx="5481360" cy="4109760"/>
+            <a:ext cx="5481000" cy="4109400"/>
           </a:xfrm>
           <a:prstGeom prst="rect">
             <a:avLst/>
@@ -583,7 +583,7 @@
         <p:spPr>
           <a:xfrm>
             <a:off x="3884760" y="8685360"/>
-            <a:ext cx="2966760" cy="452160"/>
+            <a:ext cx="2966400" cy="451800"/>
           </a:xfrm>
           <a:prstGeom prst="rect">
             <a:avLst/>
@@ -619,7 +619,7 @@
               </a:lnSpc>
               <a:buNone/>
             </a:pPr>
-            <a:fld id="{BBAAF6AF-5207-4898-A345-75C8E1B58A45}" type="slidenum">
+            <a:fld id="{268B8781-EE5D-4E4E-AA62-C1B5A5A6A66B}" type="slidenum">
               <a:rPr b="0" lang="en-US" sz="1200" spc="-1" strike="noStrike">
                 <a:solidFill>
                   <a:srgbClr val="000000"/>
@@ -670,7 +670,7 @@
         <p:spPr>
           <a:xfrm>
             <a:off x="380880" y="685800"/>
-            <a:ext cx="6090840" cy="3423960"/>
+            <a:ext cx="6090480" cy="3423600"/>
           </a:xfrm>
           <a:prstGeom prst="rect">
             <a:avLst/>
@@ -693,7 +693,7 @@
         <p:spPr>
           <a:xfrm>
             <a:off x="685800" y="4343400"/>
-            <a:ext cx="5481360" cy="4109760"/>
+            <a:ext cx="5481000" cy="4109400"/>
           </a:xfrm>
           <a:prstGeom prst="rect">
             <a:avLst/>
@@ -727,7 +727,7 @@
         <p:spPr>
           <a:xfrm>
             <a:off x="3884760" y="8685360"/>
-            <a:ext cx="2966760" cy="452160"/>
+            <a:ext cx="2966400" cy="451800"/>
           </a:xfrm>
           <a:prstGeom prst="rect">
             <a:avLst/>
@@ -763,7 +763,7 @@
               </a:lnSpc>
               <a:buNone/>
             </a:pPr>
-            <a:fld id="{1A970E23-B9C9-4B00-B520-E17C0EEFF384}" type="slidenum">
+            <a:fld id="{CB7E05BF-7C23-450B-8839-B34C18AA4DAC}" type="slidenum">
               <a:rPr b="0" lang="en-US" sz="1200" spc="-1" strike="noStrike">
                 <a:solidFill>
                   <a:srgbClr val="000000"/>
@@ -814,7 +814,7 @@
         <p:spPr>
           <a:xfrm>
             <a:off x="380880" y="685800"/>
-            <a:ext cx="6090840" cy="3423960"/>
+            <a:ext cx="6090480" cy="3423600"/>
           </a:xfrm>
           <a:prstGeom prst="rect">
             <a:avLst/>
@@ -837,7 +837,7 @@
         <p:spPr>
           <a:xfrm>
             <a:off x="685800" y="4343400"/>
-            <a:ext cx="5481360" cy="4109760"/>
+            <a:ext cx="5481000" cy="4109400"/>
           </a:xfrm>
           <a:prstGeom prst="rect">
             <a:avLst/>
@@ -871,7 +871,7 @@
         <p:spPr>
           <a:xfrm>
             <a:off x="3884760" y="8685360"/>
-            <a:ext cx="2966760" cy="452160"/>
+            <a:ext cx="2966400" cy="451800"/>
           </a:xfrm>
           <a:prstGeom prst="rect">
             <a:avLst/>
@@ -907,7 +907,7 @@
               </a:lnSpc>
               <a:buNone/>
             </a:pPr>
-            <a:fld id="{646BEED5-4B62-4CEC-AF1B-D3B1C1981084}" type="slidenum">
+            <a:fld id="{7247E13F-02F7-4886-A959-5D2845439AFD}" type="slidenum">
               <a:rPr b="0" lang="en-US" sz="1200" spc="-1" strike="noStrike">
                 <a:solidFill>
                   <a:srgbClr val="000000"/>
@@ -958,7 +958,7 @@
         <p:spPr>
           <a:xfrm>
             <a:off x="380880" y="685800"/>
-            <a:ext cx="6090840" cy="3423960"/>
+            <a:ext cx="6090480" cy="3423600"/>
           </a:xfrm>
           <a:prstGeom prst="rect">
             <a:avLst/>
@@ -981,7 +981,7 @@
         <p:spPr>
           <a:xfrm>
             <a:off x="685800" y="4343400"/>
-            <a:ext cx="5481360" cy="4109760"/>
+            <a:ext cx="5481000" cy="4109400"/>
           </a:xfrm>
           <a:prstGeom prst="rect">
             <a:avLst/>
@@ -1015,7 +1015,7 @@
         <p:spPr>
           <a:xfrm>
             <a:off x="3884760" y="8685360"/>
-            <a:ext cx="2966760" cy="452160"/>
+            <a:ext cx="2966400" cy="451800"/>
           </a:xfrm>
           <a:prstGeom prst="rect">
             <a:avLst/>
@@ -1051,7 +1051,7 @@
               </a:lnSpc>
               <a:buNone/>
             </a:pPr>
-            <a:fld id="{F5356A6E-EA7D-4C56-B563-878F2125593F}" type="slidenum">
+            <a:fld id="{4686C324-C980-44B2-A0E3-29B2EABCAAC8}" type="slidenum">
               <a:rPr b="0" lang="en-US" sz="1200" spc="-1" strike="noStrike">
                 <a:solidFill>
                   <a:srgbClr val="000000"/>
@@ -1102,7 +1102,7 @@
         <p:spPr>
           <a:xfrm>
             <a:off x="380880" y="685800"/>
-            <a:ext cx="6090840" cy="3423960"/>
+            <a:ext cx="6090480" cy="3423600"/>
           </a:xfrm>
           <a:prstGeom prst="rect">
             <a:avLst/>
@@ -1125,7 +1125,7 @@
         <p:spPr>
           <a:xfrm>
             <a:off x="685800" y="4343400"/>
-            <a:ext cx="5481360" cy="4109760"/>
+            <a:ext cx="5481000" cy="4109400"/>
           </a:xfrm>
           <a:prstGeom prst="rect">
             <a:avLst/>
@@ -1159,7 +1159,7 @@
         <p:spPr>
           <a:xfrm>
             <a:off x="3884760" y="8685360"/>
-            <a:ext cx="2966760" cy="452160"/>
+            <a:ext cx="2966400" cy="451800"/>
           </a:xfrm>
           <a:prstGeom prst="rect">
             <a:avLst/>
@@ -1195,7 +1195,7 @@
               </a:lnSpc>
               <a:buNone/>
             </a:pPr>
-            <a:fld id="{E2DE0185-1793-4D1E-BC67-B1D2A3E136C0}" type="slidenum">
+            <a:fld id="{1BAA5BF1-6482-4171-A65F-16781D4C230F}" type="slidenum">
               <a:rPr b="0" lang="en-US" sz="1200" spc="-1" strike="noStrike">
                 <a:solidFill>
                   <a:srgbClr val="000000"/>
@@ -1246,7 +1246,7 @@
         <p:spPr>
           <a:xfrm>
             <a:off x="380880" y="685800"/>
-            <a:ext cx="6090840" cy="3423960"/>
+            <a:ext cx="6090480" cy="3423600"/>
           </a:xfrm>
           <a:prstGeom prst="rect">
             <a:avLst/>
@@ -1269,7 +1269,7 @@
         <p:spPr>
           <a:xfrm>
             <a:off x="685800" y="4343400"/>
-            <a:ext cx="5481360" cy="4109760"/>
+            <a:ext cx="5481000" cy="4109400"/>
           </a:xfrm>
           <a:prstGeom prst="rect">
             <a:avLst/>
@@ -1303,7 +1303,7 @@
         <p:spPr>
           <a:xfrm>
             <a:off x="3884760" y="8685360"/>
-            <a:ext cx="2966760" cy="452160"/>
+            <a:ext cx="2966400" cy="451800"/>
           </a:xfrm>
           <a:prstGeom prst="rect">
             <a:avLst/>
@@ -1339,7 +1339,7 @@
               </a:lnSpc>
               <a:buNone/>
             </a:pPr>
-            <a:fld id="{B9A981D1-BCF1-4037-90D3-85ADEFC01A64}" type="slidenum">
+            <a:fld id="{47F45A00-F64B-4B30-97DE-686AA5699FEE}" type="slidenum">
               <a:rPr b="0" lang="en-US" sz="1200" spc="-1" strike="noStrike">
                 <a:solidFill>
                   <a:srgbClr val="000000"/>
@@ -1390,7 +1390,7 @@
         <p:spPr>
           <a:xfrm>
             <a:off x="380880" y="685800"/>
-            <a:ext cx="6090840" cy="3423960"/>
+            <a:ext cx="6090480" cy="3423600"/>
           </a:xfrm>
           <a:prstGeom prst="rect">
             <a:avLst/>
@@ -1413,7 +1413,7 @@
         <p:spPr>
           <a:xfrm>
             <a:off x="685800" y="4343400"/>
-            <a:ext cx="5481360" cy="4109760"/>
+            <a:ext cx="5481000" cy="4109400"/>
           </a:xfrm>
           <a:prstGeom prst="rect">
             <a:avLst/>
@@ -1447,7 +1447,7 @@
         <p:spPr>
           <a:xfrm>
             <a:off x="3884760" y="8685360"/>
-            <a:ext cx="2966760" cy="452160"/>
+            <a:ext cx="2966400" cy="451800"/>
           </a:xfrm>
           <a:prstGeom prst="rect">
             <a:avLst/>
@@ -1483,7 +1483,7 @@
               </a:lnSpc>
               <a:buNone/>
             </a:pPr>
-            <a:fld id="{371E2A26-0B9C-4043-9F7C-C60DB97F4055}" type="slidenum">
+            <a:fld id="{A1899E11-6DA2-4250-BF19-EEA31A5677C6}" type="slidenum">
               <a:rPr b="0" lang="en-US" sz="1200" spc="-1" strike="noStrike">
                 <a:solidFill>
                   <a:srgbClr val="000000"/>
@@ -1534,7 +1534,7 @@
         <p:spPr>
           <a:xfrm>
             <a:off x="380880" y="685800"/>
-            <a:ext cx="6090840" cy="3423960"/>
+            <a:ext cx="6090480" cy="3423600"/>
           </a:xfrm>
           <a:prstGeom prst="rect">
             <a:avLst/>
@@ -1557,7 +1557,7 @@
         <p:spPr>
           <a:xfrm>
             <a:off x="685800" y="4343400"/>
-            <a:ext cx="5481360" cy="4109760"/>
+            <a:ext cx="5481000" cy="4109400"/>
           </a:xfrm>
           <a:prstGeom prst="rect">
             <a:avLst/>
@@ -1591,7 +1591,7 @@
         <p:spPr>
           <a:xfrm>
             <a:off x="3884760" y="8685360"/>
-            <a:ext cx="2966760" cy="452160"/>
+            <a:ext cx="2966400" cy="451800"/>
           </a:xfrm>
           <a:prstGeom prst="rect">
             <a:avLst/>
@@ -1627,7 +1627,7 @@
               </a:lnSpc>
               <a:buNone/>
             </a:pPr>
-            <a:fld id="{2D362993-43C7-419B-8BDB-E28909D74C4E}" type="slidenum">
+            <a:fld id="{91B15746-2EEA-4C8C-A3FC-B26ED3D8A509}" type="slidenum">
               <a:rPr b="0" lang="en-US" sz="1200" spc="-1" strike="noStrike">
                 <a:solidFill>
                   <a:srgbClr val="000000"/>
@@ -1678,7 +1678,7 @@
         <p:spPr>
           <a:xfrm>
             <a:off x="380880" y="685800"/>
-            <a:ext cx="6090840" cy="3423960"/>
+            <a:ext cx="6090480" cy="3423600"/>
           </a:xfrm>
           <a:prstGeom prst="rect">
             <a:avLst/>
@@ -1701,7 +1701,7 @@
         <p:spPr>
           <a:xfrm>
             <a:off x="685800" y="4343400"/>
-            <a:ext cx="5481360" cy="4109760"/>
+            <a:ext cx="5481000" cy="4109400"/>
           </a:xfrm>
           <a:prstGeom prst="rect">
             <a:avLst/>
@@ -1735,7 +1735,7 @@
         <p:spPr>
           <a:xfrm>
             <a:off x="3884760" y="8685360"/>
-            <a:ext cx="2966760" cy="452160"/>
+            <a:ext cx="2966400" cy="451800"/>
           </a:xfrm>
           <a:prstGeom prst="rect">
             <a:avLst/>
@@ -1771,7 +1771,7 @@
               </a:lnSpc>
               <a:buNone/>
             </a:pPr>
-            <a:fld id="{48828C67-EC9A-4FEA-8D42-BDF0B3916F4A}" type="slidenum">
+            <a:fld id="{B3783AB1-676C-44DA-83F3-1C9864BAF849}" type="slidenum">
               <a:rPr b="0" lang="en-US" sz="1200" spc="-1" strike="noStrike">
                 <a:solidFill>
                   <a:srgbClr val="000000"/>
@@ -1822,7 +1822,7 @@
         <p:spPr>
           <a:xfrm>
             <a:off x="380880" y="685800"/>
-            <a:ext cx="6090840" cy="3423960"/>
+            <a:ext cx="6090480" cy="3423600"/>
           </a:xfrm>
           <a:prstGeom prst="rect">
             <a:avLst/>
@@ -1845,7 +1845,7 @@
         <p:spPr>
           <a:xfrm>
             <a:off x="685800" y="4343400"/>
-            <a:ext cx="5481360" cy="4109760"/>
+            <a:ext cx="5481000" cy="4109400"/>
           </a:xfrm>
           <a:prstGeom prst="rect">
             <a:avLst/>
@@ -1879,7 +1879,7 @@
         <p:spPr>
           <a:xfrm>
             <a:off x="3884760" y="8685360"/>
-            <a:ext cx="2966760" cy="452160"/>
+            <a:ext cx="2966400" cy="451800"/>
           </a:xfrm>
           <a:prstGeom prst="rect">
             <a:avLst/>
@@ -1915,7 +1915,7 @@
               </a:lnSpc>
               <a:buNone/>
             </a:pPr>
-            <a:fld id="{F4262922-1868-423F-A0C9-A8BAD6FFC1BF}" type="slidenum">
+            <a:fld id="{0717482C-3BFB-4C1D-B15D-1D59D0FF4A70}" type="slidenum">
               <a:rPr b="0" lang="en-US" sz="1200" spc="-1" strike="noStrike">
                 <a:solidFill>
                   <a:srgbClr val="000000"/>
@@ -1966,7 +1966,7 @@
         <p:spPr>
           <a:xfrm>
             <a:off x="380880" y="685800"/>
-            <a:ext cx="6090840" cy="3423960"/>
+            <a:ext cx="6090480" cy="3423600"/>
           </a:xfrm>
           <a:prstGeom prst="rect">
             <a:avLst/>
@@ -1989,7 +1989,7 @@
         <p:spPr>
           <a:xfrm>
             <a:off x="685800" y="4343400"/>
-            <a:ext cx="5481360" cy="4109760"/>
+            <a:ext cx="5481000" cy="4109400"/>
           </a:xfrm>
           <a:prstGeom prst="rect">
             <a:avLst/>
@@ -2023,7 +2023,7 @@
         <p:spPr>
           <a:xfrm>
             <a:off x="3884760" y="8685360"/>
-            <a:ext cx="2966760" cy="452160"/>
+            <a:ext cx="2966400" cy="451800"/>
           </a:xfrm>
           <a:prstGeom prst="rect">
             <a:avLst/>
@@ -2059,7 +2059,7 @@
               </a:lnSpc>
               <a:buNone/>
             </a:pPr>
-            <a:fld id="{48D0EE66-530E-4005-BC94-A7F2240522CB}" type="slidenum">
+            <a:fld id="{E915E647-8EDC-4797-80E6-7FB8D5595154}" type="slidenum">
               <a:rPr b="0" lang="en-US" sz="1200" spc="-1" strike="noStrike">
                 <a:solidFill>
                   <a:srgbClr val="000000"/>
@@ -2110,7 +2110,7 @@
         <p:spPr>
           <a:xfrm>
             <a:off x="380880" y="685800"/>
-            <a:ext cx="6090840" cy="3423960"/>
+            <a:ext cx="6090480" cy="3423600"/>
           </a:xfrm>
           <a:prstGeom prst="rect">
             <a:avLst/>
@@ -2133,7 +2133,7 @@
         <p:spPr>
           <a:xfrm>
             <a:off x="685800" y="4343400"/>
-            <a:ext cx="5481360" cy="4109760"/>
+            <a:ext cx="5481000" cy="4109400"/>
           </a:xfrm>
           <a:prstGeom prst="rect">
             <a:avLst/>
@@ -2167,7 +2167,7 @@
         <p:spPr>
           <a:xfrm>
             <a:off x="3884760" y="8685360"/>
-            <a:ext cx="2966760" cy="452160"/>
+            <a:ext cx="2966400" cy="451800"/>
           </a:xfrm>
           <a:prstGeom prst="rect">
             <a:avLst/>
@@ -2203,7 +2203,7 @@
               </a:lnSpc>
               <a:buNone/>
             </a:pPr>
-            <a:fld id="{2EC29C8C-DBC8-4D91-BA16-EF4A39308879}" type="slidenum">
+            <a:fld id="{C902A77B-D2A8-4DF5-82D6-727E4D8CEFE9}" type="slidenum">
               <a:rPr b="0" lang="en-US" sz="1200" spc="-1" strike="noStrike">
                 <a:solidFill>
                   <a:srgbClr val="000000"/>
@@ -2254,7 +2254,7 @@
         <p:spPr>
           <a:xfrm>
             <a:off x="380880" y="685800"/>
-            <a:ext cx="6090840" cy="3423960"/>
+            <a:ext cx="6090480" cy="3423600"/>
           </a:xfrm>
           <a:prstGeom prst="rect">
             <a:avLst/>
@@ -2277,7 +2277,7 @@
         <p:spPr>
           <a:xfrm>
             <a:off x="685800" y="4343400"/>
-            <a:ext cx="5481360" cy="4109760"/>
+            <a:ext cx="5481000" cy="4109400"/>
           </a:xfrm>
           <a:prstGeom prst="rect">
             <a:avLst/>
@@ -2311,7 +2311,7 @@
         <p:spPr>
           <a:xfrm>
             <a:off x="3884760" y="8685360"/>
-            <a:ext cx="2966760" cy="452160"/>
+            <a:ext cx="2966400" cy="451800"/>
           </a:xfrm>
           <a:prstGeom prst="rect">
             <a:avLst/>
@@ -2347,7 +2347,7 @@
               </a:lnSpc>
               <a:buNone/>
             </a:pPr>
-            <a:fld id="{2A596D96-BDFE-44E2-8647-33A37A4319C2}" type="slidenum">
+            <a:fld id="{81F8C76F-F951-459C-9FB4-61C83C36FB22}" type="slidenum">
               <a:rPr b="0" lang="en-US" sz="1200" spc="-1" strike="noStrike">
                 <a:solidFill>
                   <a:srgbClr val="000000"/>
@@ -2398,7 +2398,7 @@
         <p:spPr>
           <a:xfrm>
             <a:off x="380880" y="685800"/>
-            <a:ext cx="6090840" cy="3423960"/>
+            <a:ext cx="6090480" cy="3423600"/>
           </a:xfrm>
           <a:prstGeom prst="rect">
             <a:avLst/>
@@ -2421,7 +2421,7 @@
         <p:spPr>
           <a:xfrm>
             <a:off x="685800" y="4343400"/>
-            <a:ext cx="5481360" cy="4109760"/>
+            <a:ext cx="5481000" cy="4109400"/>
           </a:xfrm>
           <a:prstGeom prst="rect">
             <a:avLst/>
@@ -2455,7 +2455,7 @@
         <p:spPr>
           <a:xfrm>
             <a:off x="3884760" y="8685360"/>
-            <a:ext cx="2966760" cy="452160"/>
+            <a:ext cx="2966400" cy="451800"/>
           </a:xfrm>
           <a:prstGeom prst="rect">
             <a:avLst/>
@@ -2491,7 +2491,7 @@
               </a:lnSpc>
               <a:buNone/>
             </a:pPr>
-            <a:fld id="{4FB15A33-4EF7-4755-84EB-54F9A80DBBCA}" type="slidenum">
+            <a:fld id="{92D09285-161A-4D51-970A-91AB5962ABE7}" type="slidenum">
               <a:rPr b="0" lang="en-US" sz="1200" spc="-1" strike="noStrike">
                 <a:solidFill>
                   <a:srgbClr val="000000"/>
@@ -2542,7 +2542,7 @@
         <p:spPr>
           <a:xfrm>
             <a:off x="380880" y="685800"/>
-            <a:ext cx="6090840" cy="3423960"/>
+            <a:ext cx="6090480" cy="3423600"/>
           </a:xfrm>
           <a:prstGeom prst="rect">
             <a:avLst/>
@@ -2565,7 +2565,7 @@
         <p:spPr>
           <a:xfrm>
             <a:off x="685800" y="4343400"/>
-            <a:ext cx="5481360" cy="4109760"/>
+            <a:ext cx="5481000" cy="4109400"/>
           </a:xfrm>
           <a:prstGeom prst="rect">
             <a:avLst/>
@@ -2599,7 +2599,7 @@
         <p:spPr>
           <a:xfrm>
             <a:off x="3884760" y="8685360"/>
-            <a:ext cx="2966760" cy="452160"/>
+            <a:ext cx="2966400" cy="451800"/>
           </a:xfrm>
           <a:prstGeom prst="rect">
             <a:avLst/>
@@ -2635,7 +2635,7 @@
               </a:lnSpc>
               <a:buNone/>
             </a:pPr>
-            <a:fld id="{4DF0110E-B6D5-4140-B80E-895D3148C1AD}" type="slidenum">
+            <a:fld id="{D05A890D-C0CC-43BE-A221-124C4446A535}" type="slidenum">
               <a:rPr b="0" lang="en-US" sz="1200" spc="-1" strike="noStrike">
                 <a:solidFill>
                   <a:srgbClr val="000000"/>
@@ -2686,7 +2686,7 @@
         <p:spPr>
           <a:xfrm>
             <a:off x="380880" y="685800"/>
-            <a:ext cx="6090840" cy="3423960"/>
+            <a:ext cx="6090480" cy="3423600"/>
           </a:xfrm>
           <a:prstGeom prst="rect">
             <a:avLst/>
@@ -2709,7 +2709,7 @@
         <p:spPr>
           <a:xfrm>
             <a:off x="685800" y="4343400"/>
-            <a:ext cx="5481360" cy="4109760"/>
+            <a:ext cx="5481000" cy="4109400"/>
           </a:xfrm>
           <a:prstGeom prst="rect">
             <a:avLst/>
@@ -2743,7 +2743,7 @@
         <p:spPr>
           <a:xfrm>
             <a:off x="3884760" y="8685360"/>
-            <a:ext cx="2966760" cy="452160"/>
+            <a:ext cx="2966400" cy="451800"/>
           </a:xfrm>
           <a:prstGeom prst="rect">
             <a:avLst/>
@@ -2779,7 +2779,7 @@
               </a:lnSpc>
               <a:buNone/>
             </a:pPr>
-            <a:fld id="{4E623FE0-53BC-4177-81E1-ADCCBFA41ADB}" type="slidenum">
+            <a:fld id="{2DBB558C-3792-4216-B62D-F662CA7CB050}" type="slidenum">
               <a:rPr b="0" lang="en-US" sz="1200" spc="-1" strike="noStrike">
                 <a:solidFill>
                   <a:srgbClr val="000000"/>
@@ -2830,7 +2830,7 @@
         <p:spPr>
           <a:xfrm>
             <a:off x="380880" y="685800"/>
-            <a:ext cx="6090840" cy="3423960"/>
+            <a:ext cx="6090480" cy="3423600"/>
           </a:xfrm>
           <a:prstGeom prst="rect">
             <a:avLst/>
@@ -2853,7 +2853,7 @@
         <p:spPr>
           <a:xfrm>
             <a:off x="685800" y="4343400"/>
-            <a:ext cx="5481360" cy="4109760"/>
+            <a:ext cx="5481000" cy="4109400"/>
           </a:xfrm>
           <a:prstGeom prst="rect">
             <a:avLst/>
@@ -2887,7 +2887,7 @@
         <p:spPr>
           <a:xfrm>
             <a:off x="3884760" y="8685360"/>
-            <a:ext cx="2966760" cy="452160"/>
+            <a:ext cx="2966400" cy="451800"/>
           </a:xfrm>
           <a:prstGeom prst="rect">
             <a:avLst/>
@@ -2923,7 +2923,7 @@
               </a:lnSpc>
               <a:buNone/>
             </a:pPr>
-            <a:fld id="{44CD4D5A-794A-477B-ACB0-3FDCB8894E6A}" type="slidenum">
+            <a:fld id="{2203F676-D13C-4267-953D-0CE66235B8BB}" type="slidenum">
               <a:rPr b="0" lang="en-US" sz="1200" spc="-1" strike="noStrike">
                 <a:solidFill>
                   <a:srgbClr val="000000"/>
@@ -2974,7 +2974,7 @@
         <p:spPr>
           <a:xfrm>
             <a:off x="380880" y="685800"/>
-            <a:ext cx="6090840" cy="3423960"/>
+            <a:ext cx="6090480" cy="3423600"/>
           </a:xfrm>
           <a:prstGeom prst="rect">
             <a:avLst/>
@@ -2997,7 +2997,7 @@
         <p:spPr>
           <a:xfrm>
             <a:off x="685800" y="4343400"/>
-            <a:ext cx="5481360" cy="4109760"/>
+            <a:ext cx="5481000" cy="4109400"/>
           </a:xfrm>
           <a:prstGeom prst="rect">
             <a:avLst/>
@@ -3031,7 +3031,7 @@
         <p:spPr>
           <a:xfrm>
             <a:off x="3884760" y="8685360"/>
-            <a:ext cx="2966760" cy="452160"/>
+            <a:ext cx="2966400" cy="451800"/>
           </a:xfrm>
           <a:prstGeom prst="rect">
             <a:avLst/>
@@ -3067,7 +3067,7 @@
               </a:lnSpc>
               <a:buNone/>
             </a:pPr>
-            <a:fld id="{4C223ECD-BFF4-4183-82BC-A76ECDC358BA}" type="slidenum">
+            <a:fld id="{165134AC-261F-4F55-BB34-B976EA3D3B38}" type="slidenum">
               <a:rPr b="0" lang="en-US" sz="1200" spc="-1" strike="noStrike">
                 <a:solidFill>
                   <a:srgbClr val="000000"/>
@@ -3118,7 +3118,7 @@
         <p:spPr>
           <a:xfrm>
             <a:off x="380880" y="685800"/>
-            <a:ext cx="6090840" cy="3423960"/>
+            <a:ext cx="6090480" cy="3423600"/>
           </a:xfrm>
           <a:prstGeom prst="rect">
             <a:avLst/>
@@ -3141,7 +3141,7 @@
         <p:spPr>
           <a:xfrm>
             <a:off x="685800" y="4343400"/>
-            <a:ext cx="5481360" cy="4109760"/>
+            <a:ext cx="5481000" cy="4109400"/>
           </a:xfrm>
           <a:prstGeom prst="rect">
             <a:avLst/>
@@ -3175,7 +3175,7 @@
         <p:spPr>
           <a:xfrm>
             <a:off x="3884760" y="8685360"/>
-            <a:ext cx="2966760" cy="452160"/>
+            <a:ext cx="2966400" cy="451800"/>
           </a:xfrm>
           <a:prstGeom prst="rect">
             <a:avLst/>
@@ -3211,7 +3211,7 @@
               </a:lnSpc>
               <a:buNone/>
             </a:pPr>
-            <a:fld id="{267AE08F-0BEB-4E4C-8A41-0434484A03A6}" type="slidenum">
+            <a:fld id="{EBE88F85-F295-4B39-AFF7-EEB41A82659E}" type="slidenum">
               <a:rPr b="0" lang="en-US" sz="1200" spc="-1" strike="noStrike">
                 <a:solidFill>
                   <a:srgbClr val="000000"/>
@@ -3262,7 +3262,7 @@
         <p:spPr>
           <a:xfrm>
             <a:off x="380880" y="685800"/>
-            <a:ext cx="6090840" cy="3423960"/>
+            <a:ext cx="6090480" cy="3423600"/>
           </a:xfrm>
           <a:prstGeom prst="rect">
             <a:avLst/>
@@ -3285,7 +3285,7 @@
         <p:spPr>
           <a:xfrm>
             <a:off x="685800" y="4343400"/>
-            <a:ext cx="5481360" cy="4109760"/>
+            <a:ext cx="5481000" cy="4109400"/>
           </a:xfrm>
           <a:prstGeom prst="rect">
             <a:avLst/>
@@ -3319,7 +3319,7 @@
         <p:spPr>
           <a:xfrm>
             <a:off x="3884760" y="8685360"/>
-            <a:ext cx="2966760" cy="452160"/>
+            <a:ext cx="2966400" cy="451800"/>
           </a:xfrm>
           <a:prstGeom prst="rect">
             <a:avLst/>
@@ -3355,7 +3355,7 @@
               </a:lnSpc>
               <a:buNone/>
             </a:pPr>
-            <a:fld id="{89B23179-F09C-487E-8ABF-163684D93ABB}" type="slidenum">
+            <a:fld id="{7B123D13-AD9B-40BC-90C7-6070616D003F}" type="slidenum">
               <a:rPr b="0" lang="en-US" sz="1200" spc="-1" strike="noStrike">
                 <a:solidFill>
                   <a:srgbClr val="000000"/>
@@ -3406,7 +3406,7 @@
         <p:spPr>
           <a:xfrm>
             <a:off x="380880" y="685800"/>
-            <a:ext cx="6090840" cy="3423960"/>
+            <a:ext cx="6090480" cy="3423600"/>
           </a:xfrm>
           <a:prstGeom prst="rect">
             <a:avLst/>
@@ -3429,7 +3429,7 @@
         <p:spPr>
           <a:xfrm>
             <a:off x="685800" y="4343400"/>
-            <a:ext cx="5481360" cy="4109760"/>
+            <a:ext cx="5481000" cy="4109400"/>
           </a:xfrm>
           <a:prstGeom prst="rect">
             <a:avLst/>
@@ -3463,7 +3463,7 @@
         <p:spPr>
           <a:xfrm>
             <a:off x="3884760" y="8685360"/>
-            <a:ext cx="2966760" cy="452160"/>
+            <a:ext cx="2966400" cy="451800"/>
           </a:xfrm>
           <a:prstGeom prst="rect">
             <a:avLst/>
@@ -3499,7 +3499,7 @@
               </a:lnSpc>
               <a:buNone/>
             </a:pPr>
-            <a:fld id="{0C791D55-0684-4DC8-97FD-E20941F43D3F}" type="slidenum">
+            <a:fld id="{5395E529-2543-40E8-BCCC-B1B17F6758F9}" type="slidenum">
               <a:rPr b="0" lang="en-US" sz="1200" spc="-1" strike="noStrike">
                 <a:solidFill>
                   <a:srgbClr val="000000"/>
@@ -3550,7 +3550,7 @@
         <p:spPr>
           <a:xfrm>
             <a:off x="380880" y="685800"/>
-            <a:ext cx="6090840" cy="3423960"/>
+            <a:ext cx="6090480" cy="3423600"/>
           </a:xfrm>
           <a:prstGeom prst="rect">
             <a:avLst/>
@@ -3573,7 +3573,7 @@
         <p:spPr>
           <a:xfrm>
             <a:off x="685800" y="4343400"/>
-            <a:ext cx="5481360" cy="4109760"/>
+            <a:ext cx="5481000" cy="4109400"/>
           </a:xfrm>
           <a:prstGeom prst="rect">
             <a:avLst/>
@@ -3607,7 +3607,7 @@
         <p:spPr>
           <a:xfrm>
             <a:off x="3884760" y="8685360"/>
-            <a:ext cx="2966760" cy="452160"/>
+            <a:ext cx="2966400" cy="451800"/>
           </a:xfrm>
           <a:prstGeom prst="rect">
             <a:avLst/>
@@ -3643,7 +3643,7 @@
               </a:lnSpc>
               <a:buNone/>
             </a:pPr>
-            <a:fld id="{01FA74C6-4A87-46F4-9420-09871FE67912}" type="slidenum">
+            <a:fld id="{502FE02C-CBB6-4FDF-AA9B-7BB42F64FF1B}" type="slidenum">
               <a:rPr b="0" lang="en-US" sz="1200" spc="-1" strike="noStrike">
                 <a:solidFill>
                   <a:srgbClr val="000000"/>
@@ -3694,7 +3694,7 @@
         <p:spPr>
           <a:xfrm>
             <a:off x="380880" y="685800"/>
-            <a:ext cx="6090840" cy="3423960"/>
+            <a:ext cx="6090480" cy="3423600"/>
           </a:xfrm>
           <a:prstGeom prst="rect">
             <a:avLst/>
@@ -3717,7 +3717,7 @@
         <p:spPr>
           <a:xfrm>
             <a:off x="685800" y="4343400"/>
-            <a:ext cx="5481360" cy="4109760"/>
+            <a:ext cx="5481000" cy="4109400"/>
           </a:xfrm>
           <a:prstGeom prst="rect">
             <a:avLst/>
@@ -3751,7 +3751,7 @@
         <p:spPr>
           <a:xfrm>
             <a:off x="3884760" y="8685360"/>
-            <a:ext cx="2966760" cy="452160"/>
+            <a:ext cx="2966400" cy="451800"/>
           </a:xfrm>
           <a:prstGeom prst="rect">
             <a:avLst/>
@@ -3787,7 +3787,7 @@
               </a:lnSpc>
               <a:buNone/>
             </a:pPr>
-            <a:fld id="{4B88C103-FB07-4C50-BBCC-29B435CA46E2}" type="slidenum">
+            <a:fld id="{217E82DC-3317-49AB-B04D-52875CFCF3CF}" type="slidenum">
               <a:rPr b="0" lang="en-US" sz="1200" spc="-1" strike="noStrike">
                 <a:solidFill>
                   <a:srgbClr val="000000"/>
@@ -3838,7 +3838,7 @@
         <p:spPr>
           <a:xfrm>
             <a:off x="380880" y="685800"/>
-            <a:ext cx="6090840" cy="3423960"/>
+            <a:ext cx="6090480" cy="3423600"/>
           </a:xfrm>
           <a:prstGeom prst="rect">
             <a:avLst/>
@@ -3861,7 +3861,7 @@
         <p:spPr>
           <a:xfrm>
             <a:off x="685800" y="4343400"/>
-            <a:ext cx="5481360" cy="4109760"/>
+            <a:ext cx="5481000" cy="4109400"/>
           </a:xfrm>
           <a:prstGeom prst="rect">
             <a:avLst/>
@@ -3895,7 +3895,7 @@
         <p:spPr>
           <a:xfrm>
             <a:off x="3884760" y="8685360"/>
-            <a:ext cx="2966760" cy="452160"/>
+            <a:ext cx="2966400" cy="451800"/>
           </a:xfrm>
           <a:prstGeom prst="rect">
             <a:avLst/>
@@ -3931,7 +3931,7 @@
               </a:lnSpc>
               <a:buNone/>
             </a:pPr>
-            <a:fld id="{0BC816DC-3B91-4357-9511-807FCBF75631}" type="slidenum">
+            <a:fld id="{A1BA0B81-D4B7-41C5-96AD-90D60322E9E9}" type="slidenum">
               <a:rPr b="0" lang="en-US" sz="1200" spc="-1" strike="noStrike">
                 <a:solidFill>
                   <a:srgbClr val="000000"/>
@@ -3982,7 +3982,7 @@
         <p:spPr>
           <a:xfrm>
             <a:off x="380880" y="685800"/>
-            <a:ext cx="6090840" cy="3423960"/>
+            <a:ext cx="6090480" cy="3423600"/>
           </a:xfrm>
           <a:prstGeom prst="rect">
             <a:avLst/>
@@ -4005,7 +4005,7 @@
         <p:spPr>
           <a:xfrm>
             <a:off x="685800" y="4343400"/>
-            <a:ext cx="5481360" cy="4109760"/>
+            <a:ext cx="5481000" cy="4109400"/>
           </a:xfrm>
           <a:prstGeom prst="rect">
             <a:avLst/>
@@ -4039,7 +4039,7 @@
         <p:spPr>
           <a:xfrm>
             <a:off x="3884760" y="8685360"/>
-            <a:ext cx="2966760" cy="452160"/>
+            <a:ext cx="2966400" cy="451800"/>
           </a:xfrm>
           <a:prstGeom prst="rect">
             <a:avLst/>
@@ -4075,7 +4075,7 @@
               </a:lnSpc>
               <a:buNone/>
             </a:pPr>
-            <a:fld id="{5DF61A43-F37B-4B0E-8142-66C16FCA2147}" type="slidenum">
+            <a:fld id="{0B9A6B4B-24F8-414C-A254-BC2FA4BC4A49}" type="slidenum">
               <a:rPr b="0" lang="en-US" sz="1200" spc="-1" strike="noStrike">
                 <a:solidFill>
                   <a:srgbClr val="000000"/>
@@ -4126,7 +4126,7 @@
         <p:spPr>
           <a:xfrm>
             <a:off x="380880" y="685800"/>
-            <a:ext cx="6090840" cy="3423960"/>
+            <a:ext cx="6090480" cy="3423600"/>
           </a:xfrm>
           <a:prstGeom prst="rect">
             <a:avLst/>
@@ -4149,7 +4149,7 @@
         <p:spPr>
           <a:xfrm>
             <a:off x="685800" y="4343400"/>
-            <a:ext cx="5481360" cy="4109760"/>
+            <a:ext cx="5481000" cy="4109400"/>
           </a:xfrm>
           <a:prstGeom prst="rect">
             <a:avLst/>
@@ -4183,7 +4183,7 @@
         <p:spPr>
           <a:xfrm>
             <a:off x="3884760" y="8685360"/>
-            <a:ext cx="2966760" cy="452160"/>
+            <a:ext cx="2966400" cy="451800"/>
           </a:xfrm>
           <a:prstGeom prst="rect">
             <a:avLst/>
@@ -4219,7 +4219,7 @@
               </a:lnSpc>
               <a:buNone/>
             </a:pPr>
-            <a:fld id="{2EA701DD-D245-44AE-9D38-E4892ED01A71}" type="slidenum">
+            <a:fld id="{788EA362-2B04-4A24-A642-CB13248C2FCA}" type="slidenum">
               <a:rPr b="0" lang="en-US" sz="1200" spc="-1" strike="noStrike">
                 <a:solidFill>
                   <a:srgbClr val="000000"/>
@@ -4270,7 +4270,7 @@
         <p:spPr>
           <a:xfrm>
             <a:off x="380880" y="685800"/>
-            <a:ext cx="6090840" cy="3423960"/>
+            <a:ext cx="6090480" cy="3423600"/>
           </a:xfrm>
           <a:prstGeom prst="rect">
             <a:avLst/>
@@ -4293,7 +4293,7 @@
         <p:spPr>
           <a:xfrm>
             <a:off x="685800" y="4343400"/>
-            <a:ext cx="5481360" cy="4109760"/>
+            <a:ext cx="5481000" cy="4109400"/>
           </a:xfrm>
           <a:prstGeom prst="rect">
             <a:avLst/>
@@ -4327,7 +4327,7 @@
         <p:spPr>
           <a:xfrm>
             <a:off x="3884760" y="8685360"/>
-            <a:ext cx="2966760" cy="452160"/>
+            <a:ext cx="2966400" cy="451800"/>
           </a:xfrm>
           <a:prstGeom prst="rect">
             <a:avLst/>
@@ -4363,7 +4363,7 @@
               </a:lnSpc>
               <a:buNone/>
             </a:pPr>
-            <a:fld id="{4A966AD0-4BD4-4993-98D3-958FE0470A6B}" type="slidenum">
+            <a:fld id="{4D22B803-0E4C-4123-9721-F959E9F681A2}" type="slidenum">
               <a:rPr b="0" lang="en-US" sz="1200" spc="-1" strike="noStrike">
                 <a:solidFill>
                   <a:srgbClr val="000000"/>
@@ -4414,7 +4414,7 @@
         <p:spPr>
           <a:xfrm>
             <a:off x="380880" y="685800"/>
-            <a:ext cx="6090840" cy="3423960"/>
+            <a:ext cx="6090480" cy="3423600"/>
           </a:xfrm>
           <a:prstGeom prst="rect">
             <a:avLst/>
@@ -4437,7 +4437,7 @@
         <p:spPr>
           <a:xfrm>
             <a:off x="685800" y="4343400"/>
-            <a:ext cx="5481360" cy="4109760"/>
+            <a:ext cx="5481000" cy="4109400"/>
           </a:xfrm>
           <a:prstGeom prst="rect">
             <a:avLst/>
@@ -4471,7 +4471,7 @@
         <p:spPr>
           <a:xfrm>
             <a:off x="3884760" y="8685360"/>
-            <a:ext cx="2966760" cy="452160"/>
+            <a:ext cx="2966400" cy="451800"/>
           </a:xfrm>
           <a:prstGeom prst="rect">
             <a:avLst/>
@@ -4507,7 +4507,7 @@
               </a:lnSpc>
               <a:buNone/>
             </a:pPr>
-            <a:fld id="{CBC5E2DA-93B0-43D0-998D-05C0810E93C7}" type="slidenum">
+            <a:fld id="{FEF936B3-0D53-43DC-9F34-366306E952C1}" type="slidenum">
               <a:rPr b="0" lang="en-US" sz="1200" spc="-1" strike="noStrike">
                 <a:solidFill>
                   <a:srgbClr val="000000"/>
@@ -4558,7 +4558,7 @@
         <p:spPr>
           <a:xfrm>
             <a:off x="380880" y="685800"/>
-            <a:ext cx="6090840" cy="3423960"/>
+            <a:ext cx="6090480" cy="3423600"/>
           </a:xfrm>
           <a:prstGeom prst="rect">
             <a:avLst/>
@@ -4581,7 +4581,7 @@
         <p:spPr>
           <a:xfrm>
             <a:off x="685800" y="4343400"/>
-            <a:ext cx="5481360" cy="4109760"/>
+            <a:ext cx="5481000" cy="4109400"/>
           </a:xfrm>
           <a:prstGeom prst="rect">
             <a:avLst/>
@@ -4615,7 +4615,7 @@
         <p:spPr>
           <a:xfrm>
             <a:off x="3884760" y="8685360"/>
-            <a:ext cx="2966760" cy="452160"/>
+            <a:ext cx="2966400" cy="451800"/>
           </a:xfrm>
           <a:prstGeom prst="rect">
             <a:avLst/>
@@ -4651,7 +4651,7 @@
               </a:lnSpc>
               <a:buNone/>
             </a:pPr>
-            <a:fld id="{3035C629-5525-43EF-9E5E-81C71AC41D90}" type="slidenum">
+            <a:fld id="{8726655C-CA3B-4D4A-AC8A-041D0A84C322}" type="slidenum">
               <a:rPr b="0" lang="en-US" sz="1200" spc="-1" strike="noStrike">
                 <a:solidFill>
                   <a:srgbClr val="000000"/>
@@ -4702,7 +4702,7 @@
         <p:spPr>
           <a:xfrm>
             <a:off x="380880" y="685800"/>
-            <a:ext cx="6090840" cy="3423960"/>
+            <a:ext cx="6090480" cy="3423600"/>
           </a:xfrm>
           <a:prstGeom prst="rect">
             <a:avLst/>
@@ -4725,7 +4725,7 @@
         <p:spPr>
           <a:xfrm>
             <a:off x="685800" y="4343400"/>
-            <a:ext cx="5481360" cy="4109760"/>
+            <a:ext cx="5481000" cy="4109400"/>
           </a:xfrm>
           <a:prstGeom prst="rect">
             <a:avLst/>
@@ -4759,7 +4759,7 @@
         <p:spPr>
           <a:xfrm>
             <a:off x="3884760" y="8685360"/>
-            <a:ext cx="2966760" cy="452160"/>
+            <a:ext cx="2966400" cy="451800"/>
           </a:xfrm>
           <a:prstGeom prst="rect">
             <a:avLst/>
@@ -4795,7 +4795,7 @@
               </a:lnSpc>
               <a:buNone/>
             </a:pPr>
-            <a:fld id="{6A62B524-116F-498D-BEC7-B5833DE24A18}" type="slidenum">
+            <a:fld id="{2D20D4EF-C574-49E2-9E42-B9AC0BBED097}" type="slidenum">
               <a:rPr b="0" lang="en-US" sz="1200" spc="-1" strike="noStrike">
                 <a:solidFill>
                   <a:srgbClr val="000000"/>
@@ -4846,7 +4846,7 @@
         <p:spPr>
           <a:xfrm>
             <a:off x="380880" y="685800"/>
-            <a:ext cx="6090840" cy="3423960"/>
+            <a:ext cx="6090480" cy="3423600"/>
           </a:xfrm>
           <a:prstGeom prst="rect">
             <a:avLst/>
@@ -4869,7 +4869,7 @@
         <p:spPr>
           <a:xfrm>
             <a:off x="685800" y="4343400"/>
-            <a:ext cx="5481360" cy="4109760"/>
+            <a:ext cx="5481000" cy="4109400"/>
           </a:xfrm>
           <a:prstGeom prst="rect">
             <a:avLst/>
@@ -4903,7 +4903,7 @@
         <p:spPr>
           <a:xfrm>
             <a:off x="3884760" y="8685360"/>
-            <a:ext cx="2966760" cy="452160"/>
+            <a:ext cx="2966400" cy="451800"/>
           </a:xfrm>
           <a:prstGeom prst="rect">
             <a:avLst/>
@@ -4939,7 +4939,7 @@
               </a:lnSpc>
               <a:buNone/>
             </a:pPr>
-            <a:fld id="{D0829FDB-00BB-413D-B51B-1DC1DF27C4D5}" type="slidenum">
+            <a:fld id="{D7FA1FCF-44E8-450E-96FA-EAF1D4ED3A1E}" type="slidenum">
               <a:rPr b="0" lang="en-US" sz="1200" spc="-1" strike="noStrike">
                 <a:solidFill>
                   <a:srgbClr val="000000"/>
@@ -4990,7 +4990,7 @@
         <p:spPr>
           <a:xfrm>
             <a:off x="380880" y="685800"/>
-            <a:ext cx="6090840" cy="3423960"/>
+            <a:ext cx="6090480" cy="3423600"/>
           </a:xfrm>
           <a:prstGeom prst="rect">
             <a:avLst/>
@@ -5013,7 +5013,7 @@
         <p:spPr>
           <a:xfrm>
             <a:off x="685800" y="4343400"/>
-            <a:ext cx="5481360" cy="4109760"/>
+            <a:ext cx="5481000" cy="4109400"/>
           </a:xfrm>
           <a:prstGeom prst="rect">
             <a:avLst/>
@@ -5047,7 +5047,7 @@
         <p:spPr>
           <a:xfrm>
             <a:off x="3884760" y="8685360"/>
-            <a:ext cx="2966760" cy="452160"/>
+            <a:ext cx="2966400" cy="451800"/>
           </a:xfrm>
           <a:prstGeom prst="rect">
             <a:avLst/>
@@ -5083,7 +5083,7 @@
               </a:lnSpc>
               <a:buNone/>
             </a:pPr>
-            <a:fld id="{30F4E603-D783-4589-89CC-9080B3875815}" type="slidenum">
+            <a:fld id="{626DBC33-97B8-4607-B028-29A42BE4BF09}" type="slidenum">
               <a:rPr b="0" lang="en-US" sz="1200" spc="-1" strike="noStrike">
                 <a:solidFill>
                   <a:srgbClr val="000000"/>
@@ -5134,7 +5134,7 @@
         <p:spPr>
           <a:xfrm>
             <a:off x="380880" y="685800"/>
-            <a:ext cx="6090840" cy="3423960"/>
+            <a:ext cx="6090480" cy="3423600"/>
           </a:xfrm>
           <a:prstGeom prst="rect">
             <a:avLst/>
@@ -5157,7 +5157,7 @@
         <p:spPr>
           <a:xfrm>
             <a:off x="685800" y="4343400"/>
-            <a:ext cx="5481360" cy="4109760"/>
+            <a:ext cx="5481000" cy="4109400"/>
           </a:xfrm>
           <a:prstGeom prst="rect">
             <a:avLst/>
@@ -5191,7 +5191,7 @@
         <p:spPr>
           <a:xfrm>
             <a:off x="3884760" y="8685360"/>
-            <a:ext cx="2966760" cy="452160"/>
+            <a:ext cx="2966400" cy="451800"/>
           </a:xfrm>
           <a:prstGeom prst="rect">
             <a:avLst/>
@@ -5227,7 +5227,7 @@
               </a:lnSpc>
               <a:buNone/>
             </a:pPr>
-            <a:fld id="{0F217ADE-AEFE-4FAD-B38E-AA9563B010B6}" type="slidenum">
+            <a:fld id="{CE667FE9-F209-4D8B-95D4-9FAB65C2E004}" type="slidenum">
               <a:rPr b="0" lang="en-US" sz="1200" spc="-1" strike="noStrike">
                 <a:solidFill>
                   <a:srgbClr val="000000"/>
@@ -5278,7 +5278,7 @@
         <p:spPr>
           <a:xfrm>
             <a:off x="380880" y="685800"/>
-            <a:ext cx="6090840" cy="3423960"/>
+            <a:ext cx="6090480" cy="3423600"/>
           </a:xfrm>
           <a:prstGeom prst="rect">
             <a:avLst/>
@@ -5301,7 +5301,7 @@
         <p:spPr>
           <a:xfrm>
             <a:off x="685800" y="4343400"/>
-            <a:ext cx="5481360" cy="4109760"/>
+            <a:ext cx="5481000" cy="4109400"/>
           </a:xfrm>
           <a:prstGeom prst="rect">
             <a:avLst/>
@@ -5335,7 +5335,7 @@
         <p:spPr>
           <a:xfrm>
             <a:off x="3884760" y="8685360"/>
-            <a:ext cx="2966760" cy="452160"/>
+            <a:ext cx="2966400" cy="451800"/>
           </a:xfrm>
           <a:prstGeom prst="rect">
             <a:avLst/>
@@ -5371,7 +5371,7 @@
               </a:lnSpc>
               <a:buNone/>
             </a:pPr>
-            <a:fld id="{C42FDACF-D309-457A-BD2E-28BD0A7E1290}" type="slidenum">
+            <a:fld id="{2AF9E015-C26D-4BFF-B7EE-68605634D4BB}" type="slidenum">
               <a:rPr b="0" lang="en-US" sz="1200" spc="-1" strike="noStrike">
                 <a:solidFill>
                   <a:srgbClr val="000000"/>
@@ -5422,7 +5422,7 @@
         <p:spPr>
           <a:xfrm>
             <a:off x="380880" y="685800"/>
-            <a:ext cx="6090840" cy="3423960"/>
+            <a:ext cx="6090480" cy="3423600"/>
           </a:xfrm>
           <a:prstGeom prst="rect">
             <a:avLst/>
@@ -5445,7 +5445,7 @@
         <p:spPr>
           <a:xfrm>
             <a:off x="685800" y="4343400"/>
-            <a:ext cx="5481360" cy="4109760"/>
+            <a:ext cx="5481000" cy="4109400"/>
           </a:xfrm>
           <a:prstGeom prst="rect">
             <a:avLst/>
@@ -5479,7 +5479,7 @@
         <p:spPr>
           <a:xfrm>
             <a:off x="3884760" y="8685360"/>
-            <a:ext cx="2966760" cy="452160"/>
+            <a:ext cx="2966400" cy="451800"/>
           </a:xfrm>
           <a:prstGeom prst="rect">
             <a:avLst/>
@@ -5515,7 +5515,7 @@
               </a:lnSpc>
               <a:buNone/>
             </a:pPr>
-            <a:fld id="{30402D79-4E63-45F1-B3FE-D709E1308167}" type="slidenum">
+            <a:fld id="{61731402-F5AB-4877-8AF4-D5DB6F1EEE13}" type="slidenum">
               <a:rPr b="0" lang="en-US" sz="1200" spc="-1" strike="noStrike">
                 <a:solidFill>
                   <a:srgbClr val="000000"/>
@@ -5566,7 +5566,7 @@
         <p:spPr>
           <a:xfrm>
             <a:off x="380880" y="685800"/>
-            <a:ext cx="6090840" cy="3423960"/>
+            <a:ext cx="6090480" cy="3423600"/>
           </a:xfrm>
           <a:prstGeom prst="rect">
             <a:avLst/>
@@ -5589,7 +5589,7 @@
         <p:spPr>
           <a:xfrm>
             <a:off x="685800" y="4343400"/>
-            <a:ext cx="5481360" cy="4109760"/>
+            <a:ext cx="5481000" cy="4109400"/>
           </a:xfrm>
           <a:prstGeom prst="rect">
             <a:avLst/>
@@ -5623,7 +5623,7 @@
         <p:spPr>
           <a:xfrm>
             <a:off x="3884760" y="8685360"/>
-            <a:ext cx="2966760" cy="452160"/>
+            <a:ext cx="2966400" cy="451800"/>
           </a:xfrm>
           <a:prstGeom prst="rect">
             <a:avLst/>
@@ -5659,7 +5659,7 @@
               </a:lnSpc>
               <a:buNone/>
             </a:pPr>
-            <a:fld id="{CB734355-48B6-4998-BDB8-B20B819DE202}" type="slidenum">
+            <a:fld id="{580B67B0-EE51-4579-A271-B19F07676DB7}" type="slidenum">
               <a:rPr b="0" lang="en-US" sz="1200" spc="-1" strike="noStrike">
                 <a:solidFill>
                   <a:srgbClr val="000000"/>
@@ -5710,7 +5710,7 @@
         <p:spPr>
           <a:xfrm>
             <a:off x="380880" y="685800"/>
-            <a:ext cx="6090840" cy="3423960"/>
+            <a:ext cx="6090480" cy="3423600"/>
           </a:xfrm>
           <a:prstGeom prst="rect">
             <a:avLst/>
@@ -5733,7 +5733,7 @@
         <p:spPr>
           <a:xfrm>
             <a:off x="685800" y="4343400"/>
-            <a:ext cx="5481360" cy="4109760"/>
+            <a:ext cx="5481000" cy="4109400"/>
           </a:xfrm>
           <a:prstGeom prst="rect">
             <a:avLst/>
@@ -5767,7 +5767,7 @@
         <p:spPr>
           <a:xfrm>
             <a:off x="3884760" y="8685360"/>
-            <a:ext cx="2966760" cy="452160"/>
+            <a:ext cx="2966400" cy="451800"/>
           </a:xfrm>
           <a:prstGeom prst="rect">
             <a:avLst/>
@@ -5803,7 +5803,7 @@
               </a:lnSpc>
               <a:buNone/>
             </a:pPr>
-            <a:fld id="{0BFAF7C0-4A20-472E-A002-80130D8B7E69}" type="slidenum">
+            <a:fld id="{D277DB69-A7AB-47AE-8A4A-4B61E0FECDDE}" type="slidenum">
               <a:rPr b="0" lang="en-US" sz="1200" spc="-1" strike="noStrike">
                 <a:solidFill>
                   <a:srgbClr val="000000"/>
@@ -5854,7 +5854,7 @@
         <p:spPr>
           <a:xfrm>
             <a:off x="380880" y="685800"/>
-            <a:ext cx="6090840" cy="3423960"/>
+            <a:ext cx="6090480" cy="3423600"/>
           </a:xfrm>
           <a:prstGeom prst="rect">
             <a:avLst/>
@@ -5877,7 +5877,7 @@
         <p:spPr>
           <a:xfrm>
             <a:off x="685800" y="4343400"/>
-            <a:ext cx="5481360" cy="4109760"/>
+            <a:ext cx="5481000" cy="4109400"/>
           </a:xfrm>
           <a:prstGeom prst="rect">
             <a:avLst/>
@@ -5911,7 +5911,7 @@
         <p:spPr>
           <a:xfrm>
             <a:off x="3884760" y="8685360"/>
-            <a:ext cx="2966760" cy="452160"/>
+            <a:ext cx="2966400" cy="451800"/>
           </a:xfrm>
           <a:prstGeom prst="rect">
             <a:avLst/>
@@ -5947,7 +5947,7 @@
               </a:lnSpc>
               <a:buNone/>
             </a:pPr>
-            <a:fld id="{A4852835-BF6A-4C03-8F75-4BA0E37FEBDE}" type="slidenum">
+            <a:fld id="{4E719714-4FA8-40E5-BE18-FA924DA694C8}" type="slidenum">
               <a:rPr b="0" lang="en-US" sz="1200" spc="-1" strike="noStrike">
                 <a:solidFill>
                   <a:srgbClr val="000000"/>
@@ -5998,7 +5998,7 @@
         <p:spPr>
           <a:xfrm>
             <a:off x="380880" y="685800"/>
-            <a:ext cx="6090840" cy="3423960"/>
+            <a:ext cx="6090480" cy="3423600"/>
           </a:xfrm>
           <a:prstGeom prst="rect">
             <a:avLst/>
@@ -6021,7 +6021,7 @@
         <p:spPr>
           <a:xfrm>
             <a:off x="685800" y="4343400"/>
-            <a:ext cx="5481360" cy="4109760"/>
+            <a:ext cx="5481000" cy="4109400"/>
           </a:xfrm>
           <a:prstGeom prst="rect">
             <a:avLst/>
@@ -6055,7 +6055,7 @@
         <p:spPr>
           <a:xfrm>
             <a:off x="3884760" y="8685360"/>
-            <a:ext cx="2966760" cy="452160"/>
+            <a:ext cx="2966400" cy="451800"/>
           </a:xfrm>
           <a:prstGeom prst="rect">
             <a:avLst/>
@@ -6091,7 +6091,7 @@
               </a:lnSpc>
               <a:buNone/>
             </a:pPr>
-            <a:fld id="{28F42430-B2A8-4E13-8896-B68C4FE043D2}" type="slidenum">
+            <a:fld id="{1B834BA3-4B90-4470-A60C-1F1DF80FAAB6}" type="slidenum">
               <a:rPr b="0" lang="en-US" sz="1200" spc="-1" strike="noStrike">
                 <a:solidFill>
                   <a:srgbClr val="000000"/>
@@ -6142,7 +6142,7 @@
         <p:spPr>
           <a:xfrm>
             <a:off x="380880" y="685800"/>
-            <a:ext cx="6090840" cy="3423960"/>
+            <a:ext cx="6090480" cy="3423600"/>
           </a:xfrm>
           <a:prstGeom prst="rect">
             <a:avLst/>
@@ -6165,7 +6165,7 @@
         <p:spPr>
           <a:xfrm>
             <a:off x="685800" y="4343400"/>
-            <a:ext cx="5481360" cy="4109760"/>
+            <a:ext cx="5481000" cy="4109400"/>
           </a:xfrm>
           <a:prstGeom prst="rect">
             <a:avLst/>
@@ -6199,7 +6199,7 @@
         <p:spPr>
           <a:xfrm>
             <a:off x="3884760" y="8685360"/>
-            <a:ext cx="2966760" cy="452160"/>
+            <a:ext cx="2966400" cy="451800"/>
           </a:xfrm>
           <a:prstGeom prst="rect">
             <a:avLst/>
@@ -6235,7 +6235,7 @@
               </a:lnSpc>
               <a:buNone/>
             </a:pPr>
-            <a:fld id="{10D2ABA7-9B72-4009-B7D9-C0831EAACBAF}" type="slidenum">
+            <a:fld id="{349D28C8-DDB1-44EF-B7EB-AEC654B1129F}" type="slidenum">
               <a:rPr b="0" lang="en-US" sz="1200" spc="-1" strike="noStrike">
                 <a:solidFill>
                   <a:srgbClr val="000000"/>
@@ -6286,7 +6286,7 @@
         <p:spPr>
           <a:xfrm>
             <a:off x="380880" y="685800"/>
-            <a:ext cx="6090840" cy="3423960"/>
+            <a:ext cx="6090480" cy="3423600"/>
           </a:xfrm>
           <a:prstGeom prst="rect">
             <a:avLst/>
@@ -6309,7 +6309,7 @@
         <p:spPr>
           <a:xfrm>
             <a:off x="685800" y="4343400"/>
-            <a:ext cx="5481360" cy="4109760"/>
+            <a:ext cx="5481000" cy="4109400"/>
           </a:xfrm>
           <a:prstGeom prst="rect">
             <a:avLst/>
@@ -6343,7 +6343,7 @@
         <p:spPr>
           <a:xfrm>
             <a:off x="3884760" y="8685360"/>
-            <a:ext cx="2966760" cy="452160"/>
+            <a:ext cx="2966400" cy="451800"/>
           </a:xfrm>
           <a:prstGeom prst="rect">
             <a:avLst/>
@@ -6379,7 +6379,7 @@
               </a:lnSpc>
               <a:buNone/>
             </a:pPr>
-            <a:fld id="{5608C6F2-747E-4703-8F7C-93001C4366A8}" type="slidenum">
+            <a:fld id="{6DA2B046-5DB1-4DF5-98C7-90EEE3FE6564}" type="slidenum">
               <a:rPr b="0" lang="en-US" sz="1200" spc="-1" strike="noStrike">
                 <a:solidFill>
                   <a:srgbClr val="000000"/>
@@ -6430,7 +6430,7 @@
         <p:spPr>
           <a:xfrm>
             <a:off x="380880" y="685800"/>
-            <a:ext cx="6090840" cy="3423960"/>
+            <a:ext cx="6090480" cy="3423600"/>
           </a:xfrm>
           <a:prstGeom prst="rect">
             <a:avLst/>
@@ -6453,7 +6453,7 @@
         <p:spPr>
           <a:xfrm>
             <a:off x="685800" y="4343400"/>
-            <a:ext cx="5481360" cy="4109760"/>
+            <a:ext cx="5481000" cy="4109400"/>
           </a:xfrm>
           <a:prstGeom prst="rect">
             <a:avLst/>
@@ -6487,7 +6487,7 @@
         <p:spPr>
           <a:xfrm>
             <a:off x="3884760" y="8685360"/>
-            <a:ext cx="2966760" cy="452160"/>
+            <a:ext cx="2966400" cy="451800"/>
           </a:xfrm>
           <a:prstGeom prst="rect">
             <a:avLst/>
@@ -6523,7 +6523,7 @@
               </a:lnSpc>
               <a:buNone/>
             </a:pPr>
-            <a:fld id="{3E31AF2D-0072-46E9-A94E-F6EC9EEEFC01}" type="slidenum">
+            <a:fld id="{5AC5618D-37EB-4F1F-AA58-DAE6B6F2E2F4}" type="slidenum">
               <a:rPr b="0" lang="en-US" sz="1200" spc="-1" strike="noStrike">
                 <a:solidFill>
                   <a:srgbClr val="000000"/>
@@ -6595,7 +6595,7 @@
         <p:txBody>
           <a:bodyPr/>
           <a:p>
-            <a:fld id="{96D16424-1F34-4F2F-8098-6BCF244627EE}" type="slidenum">
+            <a:fld id="{FFBE7DF6-5E86-458A-84C2-E5B316F4C6F3}" type="slidenum">
               <a:t>&lt;#&gt;</a:t>
             </a:fld>
           </a:p>
@@ -6783,7 +6783,7 @@
         <p:txBody>
           <a:bodyPr/>
           <a:p>
-            <a:fld id="{4FE47684-7843-4A39-8AB8-F6DAB88B2CCC}" type="slidenum">
+            <a:fld id="{F1ECC5B7-749C-44C1-96B5-CBA4E3086751}" type="slidenum">
               <a:t>&lt;#&gt;</a:t>
             </a:fld>
           </a:p>
@@ -7039,7 +7039,7 @@
         <p:txBody>
           <a:bodyPr/>
           <a:p>
-            <a:fld id="{2C32D2C2-6787-452D-BC94-79C5B763526D}" type="slidenum">
+            <a:fld id="{45A50403-2AA0-483B-90EC-79EFDDA05290}" type="slidenum">
               <a:t>&lt;#&gt;</a:t>
             </a:fld>
           </a:p>
@@ -7363,7 +7363,7 @@
         <p:txBody>
           <a:bodyPr/>
           <a:p>
-            <a:fld id="{10E5DDB8-133C-4E87-83D5-9573C7A1DED2}" type="slidenum">
+            <a:fld id="{780BBC66-99EB-42E4-9AA4-E5D90AE6C570}" type="slidenum">
               <a:t>&lt;#&gt;</a:t>
             </a:fld>
           </a:p>
@@ -7520,7 +7520,7 @@
         <p:txBody>
           <a:bodyPr/>
           <a:p>
-            <a:fld id="{917AB15F-6B6A-403B-A111-A719F6AD58F5}" type="slidenum">
+            <a:fld id="{01B0AAA5-7752-4DC6-A1A4-BBF76A8BEF13}" type="slidenum">
               <a:t>&lt;#&gt;</a:t>
             </a:fld>
           </a:p>
@@ -7674,7 +7674,7 @@
         <p:txBody>
           <a:bodyPr/>
           <a:p>
-            <a:fld id="{C5F1CEE6-096C-4DCB-B826-F6A74F83409C}" type="slidenum">
+            <a:fld id="{94E8341E-9A28-4E73-8857-6B0C7452FE35}" type="slidenum">
               <a:t>&lt;#&gt;</a:t>
             </a:fld>
           </a:p>
@@ -7862,7 +7862,7 @@
         <p:txBody>
           <a:bodyPr/>
           <a:p>
-            <a:fld id="{CD42DE02-B7C2-49D7-BFAD-DD31E4521420}" type="slidenum">
+            <a:fld id="{7170B269-5352-4ED2-A332-D879C8C9486A}" type="slidenum">
               <a:t>&lt;#&gt;</a:t>
             </a:fld>
           </a:p>
@@ -7982,7 +7982,7 @@
         <p:txBody>
           <a:bodyPr/>
           <a:p>
-            <a:fld id="{A654AA30-8EE1-4A78-935D-AD4F8394042B}" type="slidenum">
+            <a:fld id="{9D037D14-FDC6-480E-AF95-5538CC1E8188}" type="slidenum">
               <a:t>&lt;#&gt;</a:t>
             </a:fld>
           </a:p>
@@ -8102,7 +8102,7 @@
         <p:txBody>
           <a:bodyPr/>
           <a:p>
-            <a:fld id="{056D746A-CA30-48BF-9FE0-EC7A828CDA88}" type="slidenum">
+            <a:fld id="{E468A0ED-0A83-4E77-80BC-9F42DA3678EA}" type="slidenum">
               <a:t>&lt;#&gt;</a:t>
             </a:fld>
           </a:p>
@@ -8324,7 +8324,7 @@
         <p:txBody>
           <a:bodyPr/>
           <a:p>
-            <a:fld id="{15404AA4-B575-41DF-8523-B3A7D4686788}" type="slidenum">
+            <a:fld id="{2FDF8608-7B96-4109-9DE8-2321DFA2235C}" type="slidenum">
               <a:t>&lt;#&gt;</a:t>
             </a:fld>
           </a:p>
@@ -8546,7 +8546,7 @@
         <p:txBody>
           <a:bodyPr/>
           <a:p>
-            <a:fld id="{36B5C1B8-A514-4A61-B0DC-5E7C6DFDEE9C}" type="slidenum">
+            <a:fld id="{9FEE4610-FC1B-437A-8DE4-60025ABB11D5}" type="slidenum">
               <a:t>&lt;#&gt;</a:t>
             </a:fld>
           </a:p>
@@ -8768,7 +8768,7 @@
         <p:txBody>
           <a:bodyPr/>
           <a:p>
-            <a:fld id="{8B8E508F-4C72-4497-9DC6-AE51B823B976}" type="slidenum">
+            <a:fld id="{1B489D93-E4F3-4BC0-8879-D5A402CED2BC}" type="slidenum">
               <a:t>&lt;#&gt;</a:t>
             </a:fld>
           </a:p>
@@ -8837,7 +8837,7 @@
         <p:spPr>
           <a:xfrm>
             <a:off x="3028680" y="4771440"/>
-            <a:ext cx="3081600" cy="269640"/>
+            <a:ext cx="3081240" cy="269280"/>
           </a:xfrm>
           <a:prstGeom prst="rect">
             <a:avLst/>
@@ -8881,7 +8881,7 @@
                 <a:latin typeface="Times New Roman"/>
                 <a:ea typeface="DejaVu Sans"/>
               </a:rPr>
-              <a:t> </a:t>
+              <a:t>&lt;footer&gt;</a:t>
             </a:r>
             <a:endParaRPr b="0" lang="en-US" sz="1400" spc="-1" strike="noStrike">
               <a:latin typeface="Times New Roman"/>
@@ -8902,7 +8902,7 @@
         <p:spPr>
           <a:xfrm>
             <a:off x="6457680" y="4771440"/>
-            <a:ext cx="2053080" cy="269640"/>
+            <a:ext cx="2052720" cy="269280"/>
           </a:xfrm>
           <a:prstGeom prst="rect">
             <a:avLst/>
@@ -8938,7 +8938,7 @@
               </a:lnSpc>
               <a:buNone/>
             </a:pPr>
-            <a:fld id="{FBC3BCFC-A82E-4C9F-B816-004A245C0FB7}" type="slidenum">
+            <a:fld id="{E4988548-D210-4299-A321-43D7436A5E2E}" type="slidenum">
               <a:rPr b="0" lang="en-US" sz="1200" spc="-1" strike="noStrike">
                 <a:solidFill>
                   <a:srgbClr val="8b8b8b"/>
@@ -8946,7 +8946,7 @@
                 <a:latin typeface="Calibri"/>
                 <a:ea typeface="DejaVu Sans"/>
               </a:rPr>
-              <a:t>42</a:t>
+              <a:t>&lt;number&gt;</a:t>
             </a:fld>
             <a:endParaRPr b="0" lang="en-US" sz="1200" spc="-1" strike="noStrike">
               <a:latin typeface="Times New Roman"/>
@@ -8967,7 +8967,7 @@
         <p:spPr>
           <a:xfrm>
             <a:off x="628200" y="4771440"/>
-            <a:ext cx="2053080" cy="269640"/>
+            <a:ext cx="2052720" cy="269280"/>
           </a:xfrm>
           <a:prstGeom prst="rect">
             <a:avLst/>
@@ -8993,7 +8993,7 @@
               <a:rPr b="0" lang="en-US" sz="1400" spc="-1" strike="noStrike">
                 <a:latin typeface="Times New Roman"/>
               </a:rPr>
-              <a:t> </a:t>
+              <a:t>&lt;date/time&gt;</a:t>
             </a:r>
             <a:endParaRPr b="0" lang="en-US" sz="1400" spc="-1" strike="noStrike">
               <a:latin typeface="Times New Roman"/>
@@ -9279,8 +9279,8 @@
         </p:nvSpPr>
         <p:spPr>
           <a:xfrm rot="2744400">
-            <a:off x="-280080" y="-25560"/>
-            <a:ext cx="703800" cy="703440"/>
+            <a:off x="-279720" y="-25560"/>
+            <a:ext cx="703440" cy="703080"/>
           </a:xfrm>
           <a:prstGeom prst="roundRect">
             <a:avLst>
@@ -9317,8 +9317,8 @@
         </p:nvSpPr>
         <p:spPr>
           <a:xfrm rot="2625600">
-            <a:off x="6024960" y="4332600"/>
-            <a:ext cx="467640" cy="467640"/>
+            <a:off x="6024960" y="4332240"/>
+            <a:ext cx="467280" cy="467280"/>
           </a:xfrm>
           <a:prstGeom prst="roundRect">
             <a:avLst>
@@ -9355,8 +9355,8 @@
         </p:nvSpPr>
         <p:spPr>
           <a:xfrm rot="18679200">
-            <a:off x="7003440" y="948600"/>
-            <a:ext cx="4939200" cy="4665600"/>
+            <a:off x="7003080" y="948600"/>
+            <a:ext cx="4938840" cy="4665240"/>
           </a:xfrm>
           <a:prstGeom prst="roundRect">
             <a:avLst>
@@ -9394,7 +9394,7 @@
         <p:spPr>
           <a:xfrm>
             <a:off x="459720" y="4671360"/>
-            <a:ext cx="2994840" cy="265680"/>
+            <a:ext cx="2994480" cy="265320"/>
           </a:xfrm>
           <a:prstGeom prst="rect">
             <a:avLst/>
@@ -9459,8 +9459,8 @@
         </p:blipFill>
         <p:spPr>
           <a:xfrm>
-            <a:off x="2423160" y="4671720"/>
-            <a:ext cx="287280" cy="287280"/>
+            <a:off x="3035160" y="4743720"/>
+            <a:ext cx="286920" cy="286920"/>
           </a:xfrm>
           <a:prstGeom prst="rect">
             <a:avLst/>
@@ -9479,7 +9479,7 @@
         <p:spPr>
           <a:xfrm>
             <a:off x="484920" y="1681560"/>
-            <a:ext cx="5480280" cy="1881720"/>
+            <a:ext cx="5479920" cy="1881360"/>
           </a:xfrm>
           <a:prstGeom prst="rect">
             <a:avLst/>
@@ -9567,8 +9567,8 @@
         </p:nvSpPr>
         <p:spPr>
           <a:xfrm rot="2744400">
-            <a:off x="-280080" y="-25560"/>
-            <a:ext cx="703800" cy="703440"/>
+            <a:off x="-279720" y="-25560"/>
+            <a:ext cx="703440" cy="703080"/>
           </a:xfrm>
           <a:prstGeom prst="roundRect">
             <a:avLst>
@@ -9606,7 +9606,7 @@
         <p:spPr>
           <a:xfrm rot="2332200">
             <a:off x="6009120" y="-319680"/>
-            <a:ext cx="4854960" cy="7725960"/>
+            <a:ext cx="4854600" cy="7725600"/>
           </a:xfrm>
           <a:prstGeom prst="roundRect">
             <a:avLst>
@@ -9644,9 +9644,9 @@
         <p:grpSpPr>
           <a:xfrm>
             <a:off x="4571640" y="828000"/>
-            <a:ext cx="4467600" cy="3563640"/>
+            <a:ext cx="4467240" cy="3563280"/>
             <a:chOff x="4571640" y="828000"/>
-            <a:chExt cx="4467600" cy="3563640"/>
+            <a:chExt cx="4467240" cy="3563280"/>
           </a:xfrm>
         </p:grpSpPr>
         <p:pic>
@@ -9662,7 +9662,7 @@
           <p:spPr>
             <a:xfrm>
               <a:off x="4571640" y="828000"/>
-              <a:ext cx="4467600" cy="3563640"/>
+              <a:ext cx="4467240" cy="3563280"/>
             </a:xfrm>
             <a:prstGeom prst="rect">
               <a:avLst/>
@@ -9680,8 +9680,8 @@
           </p:nvSpPr>
           <p:spPr>
             <a:xfrm rot="16200000">
-              <a:off x="5962680" y="1159560"/>
-              <a:ext cx="1736640" cy="2770560"/>
+              <a:off x="5962680" y="1159920"/>
+              <a:ext cx="1736280" cy="2770200"/>
             </a:xfrm>
             <a:prstGeom prst="roundRect">
               <a:avLst>
@@ -9748,7 +9748,7 @@
         <p:spPr>
           <a:xfrm>
             <a:off x="5446080" y="1672200"/>
-            <a:ext cx="2770200" cy="1736640"/>
+            <a:ext cx="2769840" cy="1736280"/>
           </a:xfrm>
           <a:prstGeom prst="rect">
             <a:avLst/>
@@ -9800,7 +9800,7 @@
         <p:spPr>
           <a:xfrm>
             <a:off x="586440" y="1246680"/>
-            <a:ext cx="4003560" cy="3599280"/>
+            <a:ext cx="4003200" cy="3598920"/>
           </a:xfrm>
           <a:prstGeom prst="rect">
             <a:avLst/>
@@ -9852,7 +9852,7 @@
         <p:spPr>
           <a:xfrm>
             <a:off x="586440" y="453960"/>
-            <a:ext cx="4763520" cy="854640"/>
+            <a:ext cx="4763160" cy="854280"/>
           </a:xfrm>
           <a:prstGeom prst="rect">
             <a:avLst/>
@@ -9940,8 +9940,8 @@
         </p:nvSpPr>
         <p:spPr>
           <a:xfrm rot="2745600">
-            <a:off x="8349840" y="-668160"/>
-            <a:ext cx="1497600" cy="1497600"/>
+            <a:off x="8349840" y="-667800"/>
+            <a:ext cx="1497240" cy="1497240"/>
           </a:xfrm>
           <a:prstGeom prst="roundRect">
             <a:avLst>
@@ -9979,7 +9979,7 @@
         <p:spPr>
           <a:xfrm rot="2745600">
             <a:off x="7634160" y="-322200"/>
-            <a:ext cx="806400" cy="806760"/>
+            <a:ext cx="806040" cy="806400"/>
           </a:xfrm>
           <a:prstGeom prst="roundRect">
             <a:avLst>
@@ -10018,7 +10018,7 @@
         <p:spPr>
           <a:xfrm>
             <a:off x="586440" y="899640"/>
-            <a:ext cx="7931160" cy="1536480"/>
+            <a:ext cx="7930800" cy="1536120"/>
           </a:xfrm>
           <a:prstGeom prst="rect">
             <a:avLst/>
@@ -10070,7 +10070,7 @@
         <p:spPr>
           <a:xfrm>
             <a:off x="608040" y="2545560"/>
-            <a:ext cx="3711600" cy="2255040"/>
+            <a:ext cx="3711240" cy="2254680"/>
           </a:xfrm>
           <a:prstGeom prst="rect">
             <a:avLst/>
@@ -10122,7 +10122,7 @@
         <p:spPr>
           <a:xfrm>
             <a:off x="4806360" y="2545560"/>
-            <a:ext cx="3711600" cy="2255040"/>
+            <a:ext cx="3711240" cy="2254680"/>
           </a:xfrm>
           <a:prstGeom prst="rect">
             <a:avLst/>
@@ -10174,7 +10174,7 @@
         <p:spPr>
           <a:xfrm>
             <a:off x="583200" y="450720"/>
-            <a:ext cx="7197480" cy="511560"/>
+            <a:ext cx="7197120" cy="511200"/>
           </a:xfrm>
           <a:prstGeom prst="rect">
             <a:avLst/>
@@ -10256,7 +10256,7 @@
         <p:spPr>
           <a:xfrm>
             <a:off x="586440" y="1246680"/>
-            <a:ext cx="4003560" cy="3599280"/>
+            <a:ext cx="4003200" cy="3598920"/>
           </a:xfrm>
           <a:prstGeom prst="rect">
             <a:avLst/>
@@ -10308,7 +10308,7 @@
         <p:spPr>
           <a:xfrm>
             <a:off x="559800" y="446040"/>
-            <a:ext cx="4282920" cy="682920"/>
+            <a:ext cx="4282560" cy="682560"/>
           </a:xfrm>
           <a:prstGeom prst="rect">
             <a:avLst/>
@@ -10360,7 +10360,7 @@
         <p:spPr>
           <a:xfrm>
             <a:off x="5097600" y="360"/>
-            <a:ext cx="4379040" cy="5143320"/>
+            <a:ext cx="4378680" cy="5142960"/>
           </a:xfrm>
           <a:prstGeom prst="roundRect">
             <a:avLst>
@@ -10425,8 +10425,8 @@
         </p:nvSpPr>
         <p:spPr>
           <a:xfrm rot="2744400">
-            <a:off x="-280080" y="-25560"/>
-            <a:ext cx="703800" cy="703440"/>
+            <a:off x="-279720" y="-25560"/>
+            <a:ext cx="703440" cy="703080"/>
           </a:xfrm>
           <a:prstGeom prst="roundRect">
             <a:avLst>
@@ -10463,8 +10463,8 @@
         </p:nvSpPr>
         <p:spPr>
           <a:xfrm rot="2625600">
-            <a:off x="4861080" y="4146480"/>
-            <a:ext cx="467640" cy="467640"/>
+            <a:off x="4861080" y="4146120"/>
+            <a:ext cx="467280" cy="467280"/>
           </a:xfrm>
           <a:prstGeom prst="roundRect">
             <a:avLst>
@@ -10538,8 +10538,8 @@
         </p:nvSpPr>
         <p:spPr>
           <a:xfrm rot="2744400">
-            <a:off x="-349200" y="4539600"/>
-            <a:ext cx="703800" cy="703440"/>
+            <a:off x="-348840" y="4539240"/>
+            <a:ext cx="703440" cy="703080"/>
           </a:xfrm>
           <a:prstGeom prst="roundRect">
             <a:avLst>
@@ -10576,8 +10576,8 @@
         </p:nvSpPr>
         <p:spPr>
           <a:xfrm rot="19228200">
-            <a:off x="5845680" y="-2265840"/>
-            <a:ext cx="4854600" cy="7725600"/>
+            <a:off x="5845680" y="-2265480"/>
+            <a:ext cx="4854240" cy="7725240"/>
           </a:xfrm>
           <a:prstGeom prst="roundRect">
             <a:avLst>
@@ -10615,9 +10615,9 @@
         <p:grpSpPr>
           <a:xfrm>
             <a:off x="4571640" y="828000"/>
-            <a:ext cx="4467600" cy="3563640"/>
+            <a:ext cx="4467240" cy="3563280"/>
             <a:chOff x="4571640" y="828000"/>
-            <a:chExt cx="4467600" cy="3563640"/>
+            <a:chExt cx="4467240" cy="3563280"/>
           </a:xfrm>
         </p:grpSpPr>
         <p:pic>
@@ -10633,7 +10633,7 @@
           <p:spPr>
             <a:xfrm>
               <a:off x="4571640" y="828000"/>
-              <a:ext cx="4467600" cy="3563640"/>
+              <a:ext cx="4467240" cy="3563280"/>
             </a:xfrm>
             <a:prstGeom prst="rect">
               <a:avLst/>
@@ -10651,8 +10651,8 @@
           </p:nvSpPr>
           <p:spPr>
             <a:xfrm rot="16200000">
-              <a:off x="5962680" y="1159560"/>
-              <a:ext cx="1736640" cy="2770560"/>
+              <a:off x="5962680" y="1159920"/>
+              <a:ext cx="1736280" cy="2770200"/>
             </a:xfrm>
             <a:prstGeom prst="roundRect">
               <a:avLst>
@@ -10719,7 +10719,7 @@
         <p:spPr>
           <a:xfrm>
             <a:off x="586440" y="1246680"/>
-            <a:ext cx="4003560" cy="3599280"/>
+            <a:ext cx="4003200" cy="3598920"/>
           </a:xfrm>
           <a:prstGeom prst="rect">
             <a:avLst/>
@@ -10771,7 +10771,7 @@
         <p:spPr>
           <a:xfrm>
             <a:off x="5446080" y="1672200"/>
-            <a:ext cx="2779560" cy="1736640"/>
+            <a:ext cx="2779200" cy="1736280"/>
           </a:xfrm>
           <a:prstGeom prst="rect">
             <a:avLst/>
@@ -10823,7 +10823,7 @@
         <p:spPr>
           <a:xfrm>
             <a:off x="586440" y="453960"/>
-            <a:ext cx="3696120" cy="854640"/>
+            <a:ext cx="3695760" cy="854280"/>
           </a:xfrm>
           <a:prstGeom prst="rect">
             <a:avLst/>
@@ -10912,7 +10912,7 @@
         <p:spPr>
           <a:xfrm>
             <a:off x="4222080" y="1246680"/>
-            <a:ext cx="4114440" cy="3599280"/>
+            <a:ext cx="4114080" cy="3598920"/>
           </a:xfrm>
           <a:prstGeom prst="rect">
             <a:avLst/>
@@ -10963,8 +10963,8 @@
         </p:nvSpPr>
         <p:spPr>
           <a:xfrm rot="16200000">
-            <a:off x="-2181600" y="1734120"/>
-            <a:ext cx="5143320" cy="1683360"/>
+            <a:off x="-2181600" y="1734480"/>
+            <a:ext cx="5142960" cy="1683000"/>
           </a:xfrm>
           <a:prstGeom prst="roundRect">
             <a:avLst>
@@ -11001,8 +11001,8 @@
         </p:nvSpPr>
         <p:spPr>
           <a:xfrm rot="2745000">
-            <a:off x="8575200" y="103320"/>
-            <a:ext cx="1131840" cy="1131480"/>
+            <a:off x="8575200" y="102960"/>
+            <a:ext cx="1131480" cy="1131120"/>
           </a:xfrm>
           <a:prstGeom prst="roundRect">
             <a:avLst>
@@ -11039,8 +11039,8 @@
         </p:nvSpPr>
         <p:spPr>
           <a:xfrm rot="16200000">
-            <a:off x="614880" y="919440"/>
-            <a:ext cx="3231360" cy="3313080"/>
+            <a:off x="614880" y="919800"/>
+            <a:ext cx="3231000" cy="3312720"/>
           </a:xfrm>
           <a:prstGeom prst="roundRect">
             <a:avLst>
@@ -11106,7 +11106,7 @@
         <p:spPr>
           <a:xfrm>
             <a:off x="4214160" y="456120"/>
-            <a:ext cx="4111200" cy="854640"/>
+            <a:ext cx="4110840" cy="854280"/>
           </a:xfrm>
           <a:prstGeom prst="rect">
             <a:avLst/>
@@ -11194,8 +11194,8 @@
         </p:nvSpPr>
         <p:spPr>
           <a:xfrm rot="2744400">
-            <a:off x="-280080" y="-25560"/>
-            <a:ext cx="703800" cy="703440"/>
+            <a:off x="-279720" y="-25560"/>
+            <a:ext cx="703440" cy="703080"/>
           </a:xfrm>
           <a:prstGeom prst="roundRect">
             <a:avLst>
@@ -11233,7 +11233,7 @@
         <p:spPr>
           <a:xfrm rot="2332200">
             <a:off x="6009120" y="-319680"/>
-            <a:ext cx="4854960" cy="7725960"/>
+            <a:ext cx="4854600" cy="7725600"/>
           </a:xfrm>
           <a:prstGeom prst="roundRect">
             <a:avLst>
@@ -11271,9 +11271,9 @@
         <p:grpSpPr>
           <a:xfrm>
             <a:off x="4571640" y="828000"/>
-            <a:ext cx="4467600" cy="3563640"/>
+            <a:ext cx="4467240" cy="3563280"/>
             <a:chOff x="4571640" y="828000"/>
-            <a:chExt cx="4467600" cy="3563640"/>
+            <a:chExt cx="4467240" cy="3563280"/>
           </a:xfrm>
         </p:grpSpPr>
         <p:pic>
@@ -11289,7 +11289,7 @@
           <p:spPr>
             <a:xfrm>
               <a:off x="4571640" y="828000"/>
-              <a:ext cx="4467600" cy="3563640"/>
+              <a:ext cx="4467240" cy="3563280"/>
             </a:xfrm>
             <a:prstGeom prst="rect">
               <a:avLst/>
@@ -11307,8 +11307,8 @@
           </p:nvSpPr>
           <p:spPr>
             <a:xfrm rot="16200000">
-              <a:off x="5962680" y="1159560"/>
-              <a:ext cx="1736640" cy="2770560"/>
+              <a:off x="5962680" y="1159920"/>
+              <a:ext cx="1736280" cy="2770200"/>
             </a:xfrm>
             <a:prstGeom prst="roundRect">
               <a:avLst>
@@ -11375,7 +11375,7 @@
         <p:spPr>
           <a:xfrm>
             <a:off x="5446080" y="1672200"/>
-            <a:ext cx="2770200" cy="1736640"/>
+            <a:ext cx="2769840" cy="1736280"/>
           </a:xfrm>
           <a:prstGeom prst="rect">
             <a:avLst/>
@@ -11427,7 +11427,7 @@
         <p:spPr>
           <a:xfrm>
             <a:off x="586440" y="1246680"/>
-            <a:ext cx="4003560" cy="3599280"/>
+            <a:ext cx="4003200" cy="3598920"/>
           </a:xfrm>
           <a:prstGeom prst="rect">
             <a:avLst/>
@@ -11479,7 +11479,7 @@
         <p:spPr>
           <a:xfrm>
             <a:off x="586440" y="453960"/>
-            <a:ext cx="4763520" cy="854640"/>
+            <a:ext cx="4763160" cy="854280"/>
           </a:xfrm>
           <a:prstGeom prst="rect">
             <a:avLst/>
@@ -11567,8 +11567,8 @@
         </p:nvSpPr>
         <p:spPr>
           <a:xfrm rot="2745600">
-            <a:off x="8349840" y="-668160"/>
-            <a:ext cx="1497600" cy="1497600"/>
+            <a:off x="8349840" y="-667800"/>
+            <a:ext cx="1497240" cy="1497240"/>
           </a:xfrm>
           <a:prstGeom prst="roundRect">
             <a:avLst>
@@ -11606,7 +11606,7 @@
         <p:spPr>
           <a:xfrm rot="2745600">
             <a:off x="7634160" y="-322200"/>
-            <a:ext cx="806400" cy="806760"/>
+            <a:ext cx="806040" cy="806400"/>
           </a:xfrm>
           <a:prstGeom prst="roundRect">
             <a:avLst>
@@ -11645,7 +11645,7 @@
         <p:spPr>
           <a:xfrm>
             <a:off x="586440" y="899640"/>
-            <a:ext cx="7931160" cy="1536480"/>
+            <a:ext cx="7930800" cy="1536120"/>
           </a:xfrm>
           <a:prstGeom prst="rect">
             <a:avLst/>
@@ -11697,7 +11697,7 @@
         <p:spPr>
           <a:xfrm>
             <a:off x="608040" y="2545560"/>
-            <a:ext cx="3711600" cy="2255040"/>
+            <a:ext cx="3711240" cy="2254680"/>
           </a:xfrm>
           <a:prstGeom prst="rect">
             <a:avLst/>
@@ -11749,7 +11749,7 @@
         <p:spPr>
           <a:xfrm>
             <a:off x="4806360" y="2545560"/>
-            <a:ext cx="3711600" cy="2255040"/>
+            <a:ext cx="3711240" cy="2254680"/>
           </a:xfrm>
           <a:prstGeom prst="rect">
             <a:avLst/>
@@ -11801,7 +11801,7 @@
         <p:spPr>
           <a:xfrm>
             <a:off x="583200" y="450720"/>
-            <a:ext cx="7197480" cy="511560"/>
+            <a:ext cx="7197120" cy="511200"/>
           </a:xfrm>
           <a:prstGeom prst="rect">
             <a:avLst/>
@@ -11883,7 +11883,7 @@
         <p:spPr>
           <a:xfrm>
             <a:off x="586440" y="1246680"/>
-            <a:ext cx="4003560" cy="3599280"/>
+            <a:ext cx="4003200" cy="3598920"/>
           </a:xfrm>
           <a:prstGeom prst="rect">
             <a:avLst/>
@@ -11935,7 +11935,7 @@
         <p:spPr>
           <a:xfrm>
             <a:off x="559800" y="446040"/>
-            <a:ext cx="4282920" cy="682920"/>
+            <a:ext cx="4282560" cy="682560"/>
           </a:xfrm>
           <a:prstGeom prst="rect">
             <a:avLst/>
@@ -11987,7 +11987,7 @@
         <p:spPr>
           <a:xfrm>
             <a:off x="5097600" y="360"/>
-            <a:ext cx="4379040" cy="5143320"/>
+            <a:ext cx="4378680" cy="5142960"/>
           </a:xfrm>
           <a:prstGeom prst="roundRect">
             <a:avLst>
@@ -12052,8 +12052,8 @@
         </p:nvSpPr>
         <p:spPr>
           <a:xfrm rot="2744400">
-            <a:off x="-280080" y="-25560"/>
-            <a:ext cx="703800" cy="703440"/>
+            <a:off x="-279720" y="-25560"/>
+            <a:ext cx="703440" cy="703080"/>
           </a:xfrm>
           <a:prstGeom prst="roundRect">
             <a:avLst>
@@ -12090,8 +12090,8 @@
         </p:nvSpPr>
         <p:spPr>
           <a:xfrm rot="2625600">
-            <a:off x="4861080" y="4146480"/>
-            <a:ext cx="467640" cy="467640"/>
+            <a:off x="4861080" y="4146120"/>
+            <a:ext cx="467280" cy="467280"/>
           </a:xfrm>
           <a:prstGeom prst="roundRect">
             <a:avLst>
@@ -12165,8 +12165,8 @@
         </p:nvSpPr>
         <p:spPr>
           <a:xfrm rot="2744400">
-            <a:off x="-349200" y="4539600"/>
-            <a:ext cx="703800" cy="703440"/>
+            <a:off x="-348840" y="4539240"/>
+            <a:ext cx="703440" cy="703080"/>
           </a:xfrm>
           <a:prstGeom prst="roundRect">
             <a:avLst>
@@ -12203,8 +12203,8 @@
         </p:nvSpPr>
         <p:spPr>
           <a:xfrm rot="19228200">
-            <a:off x="5845680" y="-2265840"/>
-            <a:ext cx="4854600" cy="7725600"/>
+            <a:off x="5845680" y="-2265480"/>
+            <a:ext cx="4854240" cy="7725240"/>
           </a:xfrm>
           <a:prstGeom prst="roundRect">
             <a:avLst>
@@ -12242,9 +12242,9 @@
         <p:grpSpPr>
           <a:xfrm>
             <a:off x="4571640" y="828000"/>
-            <a:ext cx="4467600" cy="3563640"/>
+            <a:ext cx="4467240" cy="3563280"/>
             <a:chOff x="4571640" y="828000"/>
-            <a:chExt cx="4467600" cy="3563640"/>
+            <a:chExt cx="4467240" cy="3563280"/>
           </a:xfrm>
         </p:grpSpPr>
         <p:pic>
@@ -12260,7 +12260,7 @@
           <p:spPr>
             <a:xfrm>
               <a:off x="4571640" y="828000"/>
-              <a:ext cx="4467600" cy="3563640"/>
+              <a:ext cx="4467240" cy="3563280"/>
             </a:xfrm>
             <a:prstGeom prst="rect">
               <a:avLst/>
@@ -12278,8 +12278,8 @@
           </p:nvSpPr>
           <p:spPr>
             <a:xfrm rot="16200000">
-              <a:off x="5962680" y="1159560"/>
-              <a:ext cx="1736640" cy="2770560"/>
+              <a:off x="5962680" y="1159920"/>
+              <a:ext cx="1736280" cy="2770200"/>
             </a:xfrm>
             <a:prstGeom prst="roundRect">
               <a:avLst>
@@ -12346,7 +12346,7 @@
         <p:spPr>
           <a:xfrm>
             <a:off x="586440" y="1246680"/>
-            <a:ext cx="4003560" cy="3599280"/>
+            <a:ext cx="4003200" cy="3598920"/>
           </a:xfrm>
           <a:prstGeom prst="rect">
             <a:avLst/>
@@ -12398,7 +12398,7 @@
         <p:spPr>
           <a:xfrm>
             <a:off x="5446080" y="1672200"/>
-            <a:ext cx="2779560" cy="1736640"/>
+            <a:ext cx="2779200" cy="1736280"/>
           </a:xfrm>
           <a:prstGeom prst="rect">
             <a:avLst/>
@@ -12450,7 +12450,7 @@
         <p:spPr>
           <a:xfrm>
             <a:off x="586440" y="453960"/>
-            <a:ext cx="3696120" cy="854640"/>
+            <a:ext cx="3695760" cy="854280"/>
           </a:xfrm>
           <a:prstGeom prst="rect">
             <a:avLst/>
@@ -12539,7 +12539,7 @@
         <p:spPr>
           <a:xfrm>
             <a:off x="4222080" y="1246680"/>
-            <a:ext cx="4114440" cy="3599280"/>
+            <a:ext cx="4114080" cy="3598920"/>
           </a:xfrm>
           <a:prstGeom prst="rect">
             <a:avLst/>
@@ -12590,8 +12590,8 @@
         </p:nvSpPr>
         <p:spPr>
           <a:xfrm rot="16200000">
-            <a:off x="-2181600" y="1734120"/>
-            <a:ext cx="5143320" cy="1683360"/>
+            <a:off x="-2181600" y="1734480"/>
+            <a:ext cx="5142960" cy="1683000"/>
           </a:xfrm>
           <a:prstGeom prst="roundRect">
             <a:avLst>
@@ -12628,8 +12628,8 @@
         </p:nvSpPr>
         <p:spPr>
           <a:xfrm rot="2745000">
-            <a:off x="8575200" y="103320"/>
-            <a:ext cx="1131840" cy="1131480"/>
+            <a:off x="8575200" y="102960"/>
+            <a:ext cx="1131480" cy="1131120"/>
           </a:xfrm>
           <a:prstGeom prst="roundRect">
             <a:avLst>
@@ -12666,8 +12666,8 @@
         </p:nvSpPr>
         <p:spPr>
           <a:xfrm rot="16200000">
-            <a:off x="614880" y="919440"/>
-            <a:ext cx="3231360" cy="3313080"/>
+            <a:off x="614880" y="919800"/>
+            <a:ext cx="3231000" cy="3312720"/>
           </a:xfrm>
           <a:prstGeom prst="roundRect">
             <a:avLst>
@@ -12733,7 +12733,7 @@
         <p:spPr>
           <a:xfrm>
             <a:off x="4214160" y="456120"/>
-            <a:ext cx="4111200" cy="854640"/>
+            <a:ext cx="4110840" cy="854280"/>
           </a:xfrm>
           <a:prstGeom prst="rect">
             <a:avLst/>
@@ -12815,7 +12815,7 @@
         <p:spPr>
           <a:xfrm>
             <a:off x="586440" y="1246680"/>
-            <a:ext cx="4003560" cy="3599280"/>
+            <a:ext cx="4003200" cy="3598920"/>
           </a:xfrm>
           <a:prstGeom prst="rect">
             <a:avLst/>
@@ -12867,7 +12867,7 @@
         <p:spPr>
           <a:xfrm>
             <a:off x="559800" y="446040"/>
-            <a:ext cx="4282920" cy="682920"/>
+            <a:ext cx="4282560" cy="682560"/>
           </a:xfrm>
           <a:prstGeom prst="rect">
             <a:avLst/>
@@ -12919,7 +12919,7 @@
         <p:spPr>
           <a:xfrm>
             <a:off x="5097600" y="360"/>
-            <a:ext cx="4379040" cy="5143320"/>
+            <a:ext cx="4378680" cy="5142960"/>
           </a:xfrm>
           <a:prstGeom prst="roundRect">
             <a:avLst>
@@ -12984,8 +12984,8 @@
         </p:nvSpPr>
         <p:spPr>
           <a:xfrm rot="2744400">
-            <a:off x="-280080" y="-25560"/>
-            <a:ext cx="703800" cy="703440"/>
+            <a:off x="-279720" y="-25560"/>
+            <a:ext cx="703440" cy="703080"/>
           </a:xfrm>
           <a:prstGeom prst="roundRect">
             <a:avLst>
@@ -13022,8 +13022,8 @@
         </p:nvSpPr>
         <p:spPr>
           <a:xfrm rot="2625600">
-            <a:off x="4861080" y="4146480"/>
-            <a:ext cx="467640" cy="467640"/>
+            <a:off x="4861080" y="4146120"/>
+            <a:ext cx="467280" cy="467280"/>
           </a:xfrm>
           <a:prstGeom prst="roundRect">
             <a:avLst>
@@ -13097,8 +13097,8 @@
         </p:nvSpPr>
         <p:spPr>
           <a:xfrm rot="2744400">
-            <a:off x="-280080" y="-25560"/>
-            <a:ext cx="703800" cy="703440"/>
+            <a:off x="-279720" y="-25560"/>
+            <a:ext cx="703440" cy="703080"/>
           </a:xfrm>
           <a:prstGeom prst="roundRect">
             <a:avLst>
@@ -13136,7 +13136,7 @@
         <p:spPr>
           <a:xfrm rot="2332200">
             <a:off x="6009120" y="-319680"/>
-            <a:ext cx="4854960" cy="7725960"/>
+            <a:ext cx="4854600" cy="7725600"/>
           </a:xfrm>
           <a:prstGeom prst="roundRect">
             <a:avLst>
@@ -13174,9 +13174,9 @@
         <p:grpSpPr>
           <a:xfrm>
             <a:off x="4571640" y="828000"/>
-            <a:ext cx="4467600" cy="3563640"/>
+            <a:ext cx="4467240" cy="3563280"/>
             <a:chOff x="4571640" y="828000"/>
-            <a:chExt cx="4467600" cy="3563640"/>
+            <a:chExt cx="4467240" cy="3563280"/>
           </a:xfrm>
         </p:grpSpPr>
         <p:pic>
@@ -13192,7 +13192,7 @@
           <p:spPr>
             <a:xfrm>
               <a:off x="4571640" y="828000"/>
-              <a:ext cx="4467600" cy="3563640"/>
+              <a:ext cx="4467240" cy="3563280"/>
             </a:xfrm>
             <a:prstGeom prst="rect">
               <a:avLst/>
@@ -13210,8 +13210,8 @@
           </p:nvSpPr>
           <p:spPr>
             <a:xfrm rot="16200000">
-              <a:off x="5962680" y="1159560"/>
-              <a:ext cx="1736640" cy="2770560"/>
+              <a:off x="5962680" y="1159920"/>
+              <a:ext cx="1736280" cy="2770200"/>
             </a:xfrm>
             <a:prstGeom prst="roundRect">
               <a:avLst>
@@ -13278,7 +13278,7 @@
         <p:spPr>
           <a:xfrm>
             <a:off x="5446080" y="1672200"/>
-            <a:ext cx="2770200" cy="1736640"/>
+            <a:ext cx="2769840" cy="1736280"/>
           </a:xfrm>
           <a:prstGeom prst="rect">
             <a:avLst/>
@@ -13330,7 +13330,7 @@
         <p:spPr>
           <a:xfrm>
             <a:off x="586440" y="1246680"/>
-            <a:ext cx="4003560" cy="3599280"/>
+            <a:ext cx="4003200" cy="3598920"/>
           </a:xfrm>
           <a:prstGeom prst="rect">
             <a:avLst/>
@@ -13382,7 +13382,7 @@
         <p:spPr>
           <a:xfrm>
             <a:off x="586440" y="453960"/>
-            <a:ext cx="4763520" cy="854640"/>
+            <a:ext cx="4763160" cy="854280"/>
           </a:xfrm>
           <a:prstGeom prst="rect">
             <a:avLst/>
@@ -13470,8 +13470,8 @@
         </p:nvSpPr>
         <p:spPr>
           <a:xfrm rot="2745600">
-            <a:off x="8349840" y="-668160"/>
-            <a:ext cx="1497600" cy="1497600"/>
+            <a:off x="8349840" y="-667800"/>
+            <a:ext cx="1497240" cy="1497240"/>
           </a:xfrm>
           <a:prstGeom prst="roundRect">
             <a:avLst>
@@ -13509,7 +13509,7 @@
         <p:spPr>
           <a:xfrm rot="2745600">
             <a:off x="7634160" y="-322200"/>
-            <a:ext cx="806400" cy="806760"/>
+            <a:ext cx="806040" cy="806400"/>
           </a:xfrm>
           <a:prstGeom prst="roundRect">
             <a:avLst>
@@ -13548,7 +13548,7 @@
         <p:spPr>
           <a:xfrm>
             <a:off x="586440" y="899640"/>
-            <a:ext cx="7931160" cy="1536480"/>
+            <a:ext cx="7930800" cy="1536120"/>
           </a:xfrm>
           <a:prstGeom prst="rect">
             <a:avLst/>
@@ -13600,7 +13600,7 @@
         <p:spPr>
           <a:xfrm>
             <a:off x="608040" y="2545560"/>
-            <a:ext cx="3711600" cy="2255040"/>
+            <a:ext cx="3711240" cy="2254680"/>
           </a:xfrm>
           <a:prstGeom prst="rect">
             <a:avLst/>
@@ -13652,7 +13652,7 @@
         <p:spPr>
           <a:xfrm>
             <a:off x="4806360" y="2545560"/>
-            <a:ext cx="3711600" cy="2255040"/>
+            <a:ext cx="3711240" cy="2254680"/>
           </a:xfrm>
           <a:prstGeom prst="rect">
             <a:avLst/>
@@ -13704,7 +13704,7 @@
         <p:spPr>
           <a:xfrm>
             <a:off x="583200" y="450720"/>
-            <a:ext cx="7197480" cy="511560"/>
+            <a:ext cx="7197120" cy="511200"/>
           </a:xfrm>
           <a:prstGeom prst="rect">
             <a:avLst/>
@@ -13786,7 +13786,7 @@
         <p:spPr>
           <a:xfrm>
             <a:off x="586440" y="1246680"/>
-            <a:ext cx="4003560" cy="3599280"/>
+            <a:ext cx="4003200" cy="3598920"/>
           </a:xfrm>
           <a:prstGeom prst="rect">
             <a:avLst/>
@@ -13838,7 +13838,7 @@
         <p:spPr>
           <a:xfrm>
             <a:off x="559800" y="446040"/>
-            <a:ext cx="4282920" cy="682920"/>
+            <a:ext cx="4282560" cy="682560"/>
           </a:xfrm>
           <a:prstGeom prst="rect">
             <a:avLst/>
@@ -13890,7 +13890,7 @@
         <p:spPr>
           <a:xfrm>
             <a:off x="5097600" y="360"/>
-            <a:ext cx="4379040" cy="5143320"/>
+            <a:ext cx="4378680" cy="5142960"/>
           </a:xfrm>
           <a:prstGeom prst="roundRect">
             <a:avLst>
@@ -13955,8 +13955,8 @@
         </p:nvSpPr>
         <p:spPr>
           <a:xfrm rot="2744400">
-            <a:off x="-280080" y="-25560"/>
-            <a:ext cx="703800" cy="703440"/>
+            <a:off x="-279720" y="-25560"/>
+            <a:ext cx="703440" cy="703080"/>
           </a:xfrm>
           <a:prstGeom prst="roundRect">
             <a:avLst>
@@ -13993,8 +13993,8 @@
         </p:nvSpPr>
         <p:spPr>
           <a:xfrm rot="2625600">
-            <a:off x="4861080" y="4146480"/>
-            <a:ext cx="467640" cy="467640"/>
+            <a:off x="4861080" y="4146120"/>
+            <a:ext cx="467280" cy="467280"/>
           </a:xfrm>
           <a:prstGeom prst="roundRect">
             <a:avLst>
@@ -14068,8 +14068,8 @@
         </p:nvSpPr>
         <p:spPr>
           <a:xfrm rot="2744400">
-            <a:off x="-349200" y="4539600"/>
-            <a:ext cx="703800" cy="703440"/>
+            <a:off x="-348840" y="4539240"/>
+            <a:ext cx="703440" cy="703080"/>
           </a:xfrm>
           <a:prstGeom prst="roundRect">
             <a:avLst>
@@ -14106,8 +14106,8 @@
         </p:nvSpPr>
         <p:spPr>
           <a:xfrm rot="19228200">
-            <a:off x="5845680" y="-2265840"/>
-            <a:ext cx="4854600" cy="7725600"/>
+            <a:off x="5845680" y="-2265480"/>
+            <a:ext cx="4854240" cy="7725240"/>
           </a:xfrm>
           <a:prstGeom prst="roundRect">
             <a:avLst>
@@ -14145,9 +14145,9 @@
         <p:grpSpPr>
           <a:xfrm>
             <a:off x="4571640" y="828000"/>
-            <a:ext cx="4467600" cy="3563640"/>
+            <a:ext cx="4467240" cy="3563280"/>
             <a:chOff x="4571640" y="828000"/>
-            <a:chExt cx="4467600" cy="3563640"/>
+            <a:chExt cx="4467240" cy="3563280"/>
           </a:xfrm>
         </p:grpSpPr>
         <p:pic>
@@ -14163,7 +14163,7 @@
           <p:spPr>
             <a:xfrm>
               <a:off x="4571640" y="828000"/>
-              <a:ext cx="4467600" cy="3563640"/>
+              <a:ext cx="4467240" cy="3563280"/>
             </a:xfrm>
             <a:prstGeom prst="rect">
               <a:avLst/>
@@ -14181,8 +14181,8 @@
           </p:nvSpPr>
           <p:spPr>
             <a:xfrm rot="16200000">
-              <a:off x="5962680" y="1159560"/>
-              <a:ext cx="1736640" cy="2770560"/>
+              <a:off x="5962680" y="1159920"/>
+              <a:ext cx="1736280" cy="2770200"/>
             </a:xfrm>
             <a:prstGeom prst="roundRect">
               <a:avLst>
@@ -14249,7 +14249,7 @@
         <p:spPr>
           <a:xfrm>
             <a:off x="586440" y="1246680"/>
-            <a:ext cx="4003560" cy="3599280"/>
+            <a:ext cx="4003200" cy="3598920"/>
           </a:xfrm>
           <a:prstGeom prst="rect">
             <a:avLst/>
@@ -14301,7 +14301,7 @@
         <p:spPr>
           <a:xfrm>
             <a:off x="5446080" y="1672200"/>
-            <a:ext cx="2779560" cy="1736640"/>
+            <a:ext cx="2779200" cy="1736280"/>
           </a:xfrm>
           <a:prstGeom prst="rect">
             <a:avLst/>
@@ -14353,7 +14353,7 @@
         <p:spPr>
           <a:xfrm>
             <a:off x="586440" y="453960"/>
-            <a:ext cx="3696120" cy="854640"/>
+            <a:ext cx="3695760" cy="854280"/>
           </a:xfrm>
           <a:prstGeom prst="rect">
             <a:avLst/>
@@ -14442,7 +14442,7 @@
         <p:spPr>
           <a:xfrm>
             <a:off x="4222080" y="1246680"/>
-            <a:ext cx="4114440" cy="3599280"/>
+            <a:ext cx="4114080" cy="3598920"/>
           </a:xfrm>
           <a:prstGeom prst="rect">
             <a:avLst/>
@@ -14493,8 +14493,8 @@
         </p:nvSpPr>
         <p:spPr>
           <a:xfrm rot="16200000">
-            <a:off x="-2181600" y="1734120"/>
-            <a:ext cx="5143320" cy="1683360"/>
+            <a:off x="-2181600" y="1734480"/>
+            <a:ext cx="5142960" cy="1683000"/>
           </a:xfrm>
           <a:prstGeom prst="roundRect">
             <a:avLst>
@@ -14531,8 +14531,8 @@
         </p:nvSpPr>
         <p:spPr>
           <a:xfrm rot="2745000">
-            <a:off x="8575200" y="103320"/>
-            <a:ext cx="1131840" cy="1131480"/>
+            <a:off x="8575200" y="102960"/>
+            <a:ext cx="1131480" cy="1131120"/>
           </a:xfrm>
           <a:prstGeom prst="roundRect">
             <a:avLst>
@@ -14569,8 +14569,8 @@
         </p:nvSpPr>
         <p:spPr>
           <a:xfrm rot="16200000">
-            <a:off x="614880" y="919440"/>
-            <a:ext cx="3231360" cy="3313080"/>
+            <a:off x="614880" y="919800"/>
+            <a:ext cx="3231000" cy="3312720"/>
           </a:xfrm>
           <a:prstGeom prst="roundRect">
             <a:avLst>
@@ -14636,7 +14636,7 @@
         <p:spPr>
           <a:xfrm>
             <a:off x="4214160" y="456120"/>
-            <a:ext cx="4111200" cy="854640"/>
+            <a:ext cx="4110840" cy="854280"/>
           </a:xfrm>
           <a:prstGeom prst="rect">
             <a:avLst/>
@@ -14724,8 +14724,8 @@
         </p:nvSpPr>
         <p:spPr>
           <a:xfrm rot="2744400">
-            <a:off x="-280080" y="-25560"/>
-            <a:ext cx="703800" cy="703440"/>
+            <a:off x="-279720" y="-25560"/>
+            <a:ext cx="703440" cy="703080"/>
           </a:xfrm>
           <a:prstGeom prst="roundRect">
             <a:avLst>
@@ -14763,7 +14763,7 @@
         <p:spPr>
           <a:xfrm rot="2332200">
             <a:off x="6009120" y="-319680"/>
-            <a:ext cx="4854960" cy="7725960"/>
+            <a:ext cx="4854600" cy="7725600"/>
           </a:xfrm>
           <a:prstGeom prst="roundRect">
             <a:avLst>
@@ -14801,9 +14801,9 @@
         <p:grpSpPr>
           <a:xfrm>
             <a:off x="4571640" y="828000"/>
-            <a:ext cx="4467600" cy="3563640"/>
+            <a:ext cx="4467240" cy="3563280"/>
             <a:chOff x="4571640" y="828000"/>
-            <a:chExt cx="4467600" cy="3563640"/>
+            <a:chExt cx="4467240" cy="3563280"/>
           </a:xfrm>
         </p:grpSpPr>
         <p:pic>
@@ -14819,7 +14819,7 @@
           <p:spPr>
             <a:xfrm>
               <a:off x="4571640" y="828000"/>
-              <a:ext cx="4467600" cy="3563640"/>
+              <a:ext cx="4467240" cy="3563280"/>
             </a:xfrm>
             <a:prstGeom prst="rect">
               <a:avLst/>
@@ -14837,8 +14837,8 @@
           </p:nvSpPr>
           <p:spPr>
             <a:xfrm rot="16200000">
-              <a:off x="5962680" y="1159560"/>
-              <a:ext cx="1736640" cy="2770560"/>
+              <a:off x="5962680" y="1159920"/>
+              <a:ext cx="1736280" cy="2770200"/>
             </a:xfrm>
             <a:prstGeom prst="roundRect">
               <a:avLst>
@@ -14905,7 +14905,7 @@
         <p:spPr>
           <a:xfrm>
             <a:off x="5446080" y="1672200"/>
-            <a:ext cx="2770200" cy="1736640"/>
+            <a:ext cx="2769840" cy="1736280"/>
           </a:xfrm>
           <a:prstGeom prst="rect">
             <a:avLst/>
@@ -14957,7 +14957,7 @@
         <p:spPr>
           <a:xfrm>
             <a:off x="586440" y="1246680"/>
-            <a:ext cx="4003560" cy="3599280"/>
+            <a:ext cx="4003200" cy="3598920"/>
           </a:xfrm>
           <a:prstGeom prst="rect">
             <a:avLst/>
@@ -15009,7 +15009,7 @@
         <p:spPr>
           <a:xfrm>
             <a:off x="586440" y="453960"/>
-            <a:ext cx="4763520" cy="854640"/>
+            <a:ext cx="4763160" cy="854280"/>
           </a:xfrm>
           <a:prstGeom prst="rect">
             <a:avLst/>
@@ -15097,8 +15097,8 @@
         </p:nvSpPr>
         <p:spPr>
           <a:xfrm rot="2745600">
-            <a:off x="8349840" y="-668160"/>
-            <a:ext cx="1497600" cy="1497600"/>
+            <a:off x="8349840" y="-667800"/>
+            <a:ext cx="1497240" cy="1497240"/>
           </a:xfrm>
           <a:prstGeom prst="roundRect">
             <a:avLst>
@@ -15136,7 +15136,7 @@
         <p:spPr>
           <a:xfrm rot="2745600">
             <a:off x="7634160" y="-322200"/>
-            <a:ext cx="806400" cy="806760"/>
+            <a:ext cx="806040" cy="806400"/>
           </a:xfrm>
           <a:prstGeom prst="roundRect">
             <a:avLst>
@@ -15175,7 +15175,7 @@
         <p:spPr>
           <a:xfrm>
             <a:off x="586440" y="899640"/>
-            <a:ext cx="7931160" cy="1536480"/>
+            <a:ext cx="7930800" cy="1536120"/>
           </a:xfrm>
           <a:prstGeom prst="rect">
             <a:avLst/>
@@ -15227,7 +15227,7 @@
         <p:spPr>
           <a:xfrm>
             <a:off x="608040" y="2545560"/>
-            <a:ext cx="3711600" cy="2255040"/>
+            <a:ext cx="3711240" cy="2254680"/>
           </a:xfrm>
           <a:prstGeom prst="rect">
             <a:avLst/>
@@ -15279,7 +15279,7 @@
         <p:spPr>
           <a:xfrm>
             <a:off x="4806360" y="2545560"/>
-            <a:ext cx="3711600" cy="2255040"/>
+            <a:ext cx="3711240" cy="2254680"/>
           </a:xfrm>
           <a:prstGeom prst="rect">
             <a:avLst/>
@@ -15331,7 +15331,7 @@
         <p:spPr>
           <a:xfrm>
             <a:off x="583200" y="450720"/>
-            <a:ext cx="7197480" cy="511560"/>
+            <a:ext cx="7197120" cy="511200"/>
           </a:xfrm>
           <a:prstGeom prst="rect">
             <a:avLst/>
@@ -15413,7 +15413,7 @@
         <p:spPr>
           <a:xfrm>
             <a:off x="586440" y="1246680"/>
-            <a:ext cx="4003560" cy="3599280"/>
+            <a:ext cx="4003200" cy="3598920"/>
           </a:xfrm>
           <a:prstGeom prst="rect">
             <a:avLst/>
@@ -15465,7 +15465,7 @@
         <p:spPr>
           <a:xfrm>
             <a:off x="559800" y="446040"/>
-            <a:ext cx="4282920" cy="682920"/>
+            <a:ext cx="4282560" cy="682560"/>
           </a:xfrm>
           <a:prstGeom prst="rect">
             <a:avLst/>
@@ -15517,7 +15517,7 @@
         <p:spPr>
           <a:xfrm>
             <a:off x="5097600" y="360"/>
-            <a:ext cx="4379040" cy="5143320"/>
+            <a:ext cx="4378680" cy="5142960"/>
           </a:xfrm>
           <a:prstGeom prst="roundRect">
             <a:avLst>
@@ -15582,8 +15582,8 @@
         </p:nvSpPr>
         <p:spPr>
           <a:xfrm rot="2744400">
-            <a:off x="-280080" y="-25560"/>
-            <a:ext cx="703800" cy="703440"/>
+            <a:off x="-279720" y="-25560"/>
+            <a:ext cx="703440" cy="703080"/>
           </a:xfrm>
           <a:prstGeom prst="roundRect">
             <a:avLst>
@@ -15620,8 +15620,8 @@
         </p:nvSpPr>
         <p:spPr>
           <a:xfrm rot="2625600">
-            <a:off x="4861080" y="4146480"/>
-            <a:ext cx="467640" cy="467640"/>
+            <a:off x="4861080" y="4146120"/>
+            <a:ext cx="467280" cy="467280"/>
           </a:xfrm>
           <a:prstGeom prst="roundRect">
             <a:avLst>
@@ -15695,8 +15695,8 @@
         </p:nvSpPr>
         <p:spPr>
           <a:xfrm rot="2744400">
-            <a:off x="-349200" y="4539600"/>
-            <a:ext cx="703800" cy="703440"/>
+            <a:off x="-348840" y="4539240"/>
+            <a:ext cx="703440" cy="703080"/>
           </a:xfrm>
           <a:prstGeom prst="roundRect">
             <a:avLst>
@@ -15733,8 +15733,8 @@
         </p:nvSpPr>
         <p:spPr>
           <a:xfrm rot="19228200">
-            <a:off x="5845680" y="-2265840"/>
-            <a:ext cx="4854600" cy="7725600"/>
+            <a:off x="5845680" y="-2265480"/>
+            <a:ext cx="4854240" cy="7725240"/>
           </a:xfrm>
           <a:prstGeom prst="roundRect">
             <a:avLst>
@@ -15772,9 +15772,9 @@
         <p:grpSpPr>
           <a:xfrm>
             <a:off x="4571640" y="828000"/>
-            <a:ext cx="4467600" cy="3563640"/>
+            <a:ext cx="4467240" cy="3563280"/>
             <a:chOff x="4571640" y="828000"/>
-            <a:chExt cx="4467600" cy="3563640"/>
+            <a:chExt cx="4467240" cy="3563280"/>
           </a:xfrm>
         </p:grpSpPr>
         <p:pic>
@@ -15790,7 +15790,7 @@
           <p:spPr>
             <a:xfrm>
               <a:off x="4571640" y="828000"/>
-              <a:ext cx="4467600" cy="3563640"/>
+              <a:ext cx="4467240" cy="3563280"/>
             </a:xfrm>
             <a:prstGeom prst="rect">
               <a:avLst/>
@@ -15808,8 +15808,8 @@
           </p:nvSpPr>
           <p:spPr>
             <a:xfrm rot="16200000">
-              <a:off x="5962680" y="1159560"/>
-              <a:ext cx="1736640" cy="2770560"/>
+              <a:off x="5962680" y="1159920"/>
+              <a:ext cx="1736280" cy="2770200"/>
             </a:xfrm>
             <a:prstGeom prst="roundRect">
               <a:avLst>
@@ -15876,7 +15876,7 @@
         <p:spPr>
           <a:xfrm>
             <a:off x="586440" y="1246680"/>
-            <a:ext cx="4003560" cy="3599280"/>
+            <a:ext cx="4003200" cy="3598920"/>
           </a:xfrm>
           <a:prstGeom prst="rect">
             <a:avLst/>
@@ -15928,7 +15928,7 @@
         <p:spPr>
           <a:xfrm>
             <a:off x="5446080" y="1672200"/>
-            <a:ext cx="2779560" cy="1736640"/>
+            <a:ext cx="2779200" cy="1736280"/>
           </a:xfrm>
           <a:prstGeom prst="rect">
             <a:avLst/>
@@ -15980,7 +15980,7 @@
         <p:spPr>
           <a:xfrm>
             <a:off x="586440" y="453960"/>
-            <a:ext cx="3696120" cy="854640"/>
+            <a:ext cx="3695760" cy="854280"/>
           </a:xfrm>
           <a:prstGeom prst="rect">
             <a:avLst/>
@@ -16069,7 +16069,7 @@
         <p:spPr>
           <a:xfrm>
             <a:off x="4222080" y="1246680"/>
-            <a:ext cx="4114440" cy="3599280"/>
+            <a:ext cx="4114080" cy="3598920"/>
           </a:xfrm>
           <a:prstGeom prst="rect">
             <a:avLst/>
@@ -16120,8 +16120,8 @@
         </p:nvSpPr>
         <p:spPr>
           <a:xfrm rot="16200000">
-            <a:off x="-2181600" y="1734120"/>
-            <a:ext cx="5143320" cy="1683360"/>
+            <a:off x="-2181600" y="1734480"/>
+            <a:ext cx="5142960" cy="1683000"/>
           </a:xfrm>
           <a:prstGeom prst="roundRect">
             <a:avLst>
@@ -16158,8 +16158,8 @@
         </p:nvSpPr>
         <p:spPr>
           <a:xfrm rot="2745000">
-            <a:off x="8575200" y="103320"/>
-            <a:ext cx="1131840" cy="1131480"/>
+            <a:off x="8575200" y="102960"/>
+            <a:ext cx="1131480" cy="1131120"/>
           </a:xfrm>
           <a:prstGeom prst="roundRect">
             <a:avLst>
@@ -16196,8 +16196,8 @@
         </p:nvSpPr>
         <p:spPr>
           <a:xfrm rot="16200000">
-            <a:off x="614880" y="919440"/>
-            <a:ext cx="3231360" cy="3313080"/>
+            <a:off x="614880" y="919800"/>
+            <a:ext cx="3231000" cy="3312720"/>
           </a:xfrm>
           <a:prstGeom prst="roundRect">
             <a:avLst>
@@ -16263,7 +16263,7 @@
         <p:spPr>
           <a:xfrm>
             <a:off x="4214160" y="456120"/>
-            <a:ext cx="4111200" cy="854640"/>
+            <a:ext cx="4110840" cy="854280"/>
           </a:xfrm>
           <a:prstGeom prst="rect">
             <a:avLst/>
@@ -16351,8 +16351,8 @@
         </p:nvSpPr>
         <p:spPr>
           <a:xfrm rot="2744400">
-            <a:off x="-349200" y="4539600"/>
-            <a:ext cx="703800" cy="703440"/>
+            <a:off x="-348840" y="4539240"/>
+            <a:ext cx="703440" cy="703080"/>
           </a:xfrm>
           <a:prstGeom prst="roundRect">
             <a:avLst>
@@ -16389,8 +16389,8 @@
         </p:nvSpPr>
         <p:spPr>
           <a:xfrm rot="19228200">
-            <a:off x="5845680" y="-2265840"/>
-            <a:ext cx="4854600" cy="7725600"/>
+            <a:off x="5845680" y="-2265480"/>
+            <a:ext cx="4854240" cy="7725240"/>
           </a:xfrm>
           <a:prstGeom prst="roundRect">
             <a:avLst>
@@ -16428,9 +16428,9 @@
         <p:grpSpPr>
           <a:xfrm>
             <a:off x="4571640" y="828000"/>
-            <a:ext cx="4467600" cy="3563640"/>
+            <a:ext cx="4467240" cy="3563280"/>
             <a:chOff x="4571640" y="828000"/>
-            <a:chExt cx="4467600" cy="3563640"/>
+            <a:chExt cx="4467240" cy="3563280"/>
           </a:xfrm>
         </p:grpSpPr>
         <p:pic>
@@ -16446,7 +16446,7 @@
           <p:spPr>
             <a:xfrm>
               <a:off x="4571640" y="828000"/>
-              <a:ext cx="4467600" cy="3563640"/>
+              <a:ext cx="4467240" cy="3563280"/>
             </a:xfrm>
             <a:prstGeom prst="rect">
               <a:avLst/>
@@ -16464,8 +16464,8 @@
           </p:nvSpPr>
           <p:spPr>
             <a:xfrm rot="16200000">
-              <a:off x="5962680" y="1159560"/>
-              <a:ext cx="1736640" cy="2770560"/>
+              <a:off x="5962680" y="1159920"/>
+              <a:ext cx="1736280" cy="2770200"/>
             </a:xfrm>
             <a:prstGeom prst="roundRect">
               <a:avLst>
@@ -16532,7 +16532,7 @@
         <p:spPr>
           <a:xfrm>
             <a:off x="586440" y="1246680"/>
-            <a:ext cx="4003560" cy="3599280"/>
+            <a:ext cx="4003200" cy="3598920"/>
           </a:xfrm>
           <a:prstGeom prst="rect">
             <a:avLst/>
@@ -16584,7 +16584,7 @@
         <p:spPr>
           <a:xfrm>
             <a:off x="5446080" y="1672200"/>
-            <a:ext cx="2779560" cy="1736640"/>
+            <a:ext cx="2779200" cy="1736280"/>
           </a:xfrm>
           <a:prstGeom prst="rect">
             <a:avLst/>
@@ -16636,7 +16636,7 @@
         <p:spPr>
           <a:xfrm>
             <a:off x="586440" y="453960"/>
-            <a:ext cx="3696120" cy="854640"/>
+            <a:ext cx="3695760" cy="854280"/>
           </a:xfrm>
           <a:prstGeom prst="rect">
             <a:avLst/>
@@ -16724,8 +16724,8 @@
         </p:nvSpPr>
         <p:spPr>
           <a:xfrm rot="2744400">
-            <a:off x="-280080" y="-25560"/>
-            <a:ext cx="703800" cy="703440"/>
+            <a:off x="-279720" y="-25560"/>
+            <a:ext cx="703440" cy="703080"/>
           </a:xfrm>
           <a:prstGeom prst="roundRect">
             <a:avLst>
@@ -16763,7 +16763,7 @@
         <p:spPr>
           <a:xfrm rot="2332200">
             <a:off x="6009120" y="-319680"/>
-            <a:ext cx="4854960" cy="7725960"/>
+            <a:ext cx="4854600" cy="7725600"/>
           </a:xfrm>
           <a:prstGeom prst="roundRect">
             <a:avLst>
@@ -16801,9 +16801,9 @@
         <p:grpSpPr>
           <a:xfrm>
             <a:off x="4571640" y="828000"/>
-            <a:ext cx="4467600" cy="3563640"/>
+            <a:ext cx="4467240" cy="3563280"/>
             <a:chOff x="4571640" y="828000"/>
-            <a:chExt cx="4467600" cy="3563640"/>
+            <a:chExt cx="4467240" cy="3563280"/>
           </a:xfrm>
         </p:grpSpPr>
         <p:pic>
@@ -16819,7 +16819,7 @@
           <p:spPr>
             <a:xfrm>
               <a:off x="4571640" y="828000"/>
-              <a:ext cx="4467600" cy="3563640"/>
+              <a:ext cx="4467240" cy="3563280"/>
             </a:xfrm>
             <a:prstGeom prst="rect">
               <a:avLst/>
@@ -16837,8 +16837,8 @@
           </p:nvSpPr>
           <p:spPr>
             <a:xfrm rot="16200000">
-              <a:off x="5962680" y="1159560"/>
-              <a:ext cx="1736640" cy="2770560"/>
+              <a:off x="5962680" y="1159920"/>
+              <a:ext cx="1736280" cy="2770200"/>
             </a:xfrm>
             <a:prstGeom prst="roundRect">
               <a:avLst>
@@ -16905,7 +16905,7 @@
         <p:spPr>
           <a:xfrm>
             <a:off x="5446080" y="1672200"/>
-            <a:ext cx="2770200" cy="1736640"/>
+            <a:ext cx="2769840" cy="1736280"/>
           </a:xfrm>
           <a:prstGeom prst="rect">
             <a:avLst/>
@@ -16957,7 +16957,7 @@
         <p:spPr>
           <a:xfrm>
             <a:off x="586440" y="1246680"/>
-            <a:ext cx="4003560" cy="3599280"/>
+            <a:ext cx="4003200" cy="3598920"/>
           </a:xfrm>
           <a:prstGeom prst="rect">
             <a:avLst/>
@@ -17009,7 +17009,7 @@
         <p:spPr>
           <a:xfrm>
             <a:off x="586440" y="453960"/>
-            <a:ext cx="4763520" cy="854640"/>
+            <a:ext cx="4763160" cy="854280"/>
           </a:xfrm>
           <a:prstGeom prst="rect">
             <a:avLst/>
@@ -17097,8 +17097,8 @@
         </p:nvSpPr>
         <p:spPr>
           <a:xfrm rot="2745600">
-            <a:off x="8349840" y="-668160"/>
-            <a:ext cx="1497600" cy="1497600"/>
+            <a:off x="8349840" y="-667800"/>
+            <a:ext cx="1497240" cy="1497240"/>
           </a:xfrm>
           <a:prstGeom prst="roundRect">
             <a:avLst>
@@ -17136,7 +17136,7 @@
         <p:spPr>
           <a:xfrm rot="2745600">
             <a:off x="7634160" y="-322200"/>
-            <a:ext cx="806400" cy="806760"/>
+            <a:ext cx="806040" cy="806400"/>
           </a:xfrm>
           <a:prstGeom prst="roundRect">
             <a:avLst>
@@ -17175,7 +17175,7 @@
         <p:spPr>
           <a:xfrm>
             <a:off x="586440" y="899640"/>
-            <a:ext cx="7931160" cy="1536480"/>
+            <a:ext cx="7930800" cy="1536120"/>
           </a:xfrm>
           <a:prstGeom prst="rect">
             <a:avLst/>
@@ -17227,7 +17227,7 @@
         <p:spPr>
           <a:xfrm>
             <a:off x="608040" y="2545560"/>
-            <a:ext cx="3711600" cy="2255040"/>
+            <a:ext cx="3711240" cy="2254680"/>
           </a:xfrm>
           <a:prstGeom prst="rect">
             <a:avLst/>
@@ -17279,7 +17279,7 @@
         <p:spPr>
           <a:xfrm>
             <a:off x="4806360" y="2545560"/>
-            <a:ext cx="3711600" cy="2255040"/>
+            <a:ext cx="3711240" cy="2254680"/>
           </a:xfrm>
           <a:prstGeom prst="rect">
             <a:avLst/>
@@ -17331,7 +17331,7 @@
         <p:spPr>
           <a:xfrm>
             <a:off x="583200" y="450720"/>
-            <a:ext cx="7197480" cy="511560"/>
+            <a:ext cx="7197120" cy="511200"/>
           </a:xfrm>
           <a:prstGeom prst="rect">
             <a:avLst/>
@@ -17413,7 +17413,7 @@
         <p:spPr>
           <a:xfrm>
             <a:off x="586440" y="1246680"/>
-            <a:ext cx="4003560" cy="3599280"/>
+            <a:ext cx="4003200" cy="3598920"/>
           </a:xfrm>
           <a:prstGeom prst="rect">
             <a:avLst/>
@@ -17465,7 +17465,7 @@
         <p:spPr>
           <a:xfrm>
             <a:off x="559800" y="446040"/>
-            <a:ext cx="4282920" cy="682920"/>
+            <a:ext cx="4282560" cy="682560"/>
           </a:xfrm>
           <a:prstGeom prst="rect">
             <a:avLst/>
@@ -17517,7 +17517,7 @@
         <p:spPr>
           <a:xfrm>
             <a:off x="5097600" y="360"/>
-            <a:ext cx="4379040" cy="5143320"/>
+            <a:ext cx="4378680" cy="5142960"/>
           </a:xfrm>
           <a:prstGeom prst="roundRect">
             <a:avLst>
@@ -17582,8 +17582,8 @@
         </p:nvSpPr>
         <p:spPr>
           <a:xfrm rot="2744400">
-            <a:off x="-280080" y="-25560"/>
-            <a:ext cx="703800" cy="703440"/>
+            <a:off x="-279720" y="-25560"/>
+            <a:ext cx="703440" cy="703080"/>
           </a:xfrm>
           <a:prstGeom prst="roundRect">
             <a:avLst>
@@ -17620,8 +17620,8 @@
         </p:nvSpPr>
         <p:spPr>
           <a:xfrm rot="2625600">
-            <a:off x="4861080" y="4146480"/>
-            <a:ext cx="467640" cy="467640"/>
+            <a:off x="4861080" y="4146120"/>
+            <a:ext cx="467280" cy="467280"/>
           </a:xfrm>
           <a:prstGeom prst="roundRect">
             <a:avLst>
@@ -17695,8 +17695,8 @@
         </p:nvSpPr>
         <p:spPr>
           <a:xfrm rot="2744400">
-            <a:off x="-349200" y="4539600"/>
-            <a:ext cx="703800" cy="703440"/>
+            <a:off x="-348840" y="4539240"/>
+            <a:ext cx="703440" cy="703080"/>
           </a:xfrm>
           <a:prstGeom prst="roundRect">
             <a:avLst>
@@ -17733,8 +17733,8 @@
         </p:nvSpPr>
         <p:spPr>
           <a:xfrm rot="19228200">
-            <a:off x="5845680" y="-2265840"/>
-            <a:ext cx="4854600" cy="7725600"/>
+            <a:off x="5845680" y="-2265480"/>
+            <a:ext cx="4854240" cy="7725240"/>
           </a:xfrm>
           <a:prstGeom prst="roundRect">
             <a:avLst>
@@ -17772,9 +17772,9 @@
         <p:grpSpPr>
           <a:xfrm>
             <a:off x="4571640" y="828000"/>
-            <a:ext cx="4467600" cy="3563640"/>
+            <a:ext cx="4467240" cy="3563280"/>
             <a:chOff x="4571640" y="828000"/>
-            <a:chExt cx="4467600" cy="3563640"/>
+            <a:chExt cx="4467240" cy="3563280"/>
           </a:xfrm>
         </p:grpSpPr>
         <p:pic>
@@ -17790,7 +17790,7 @@
           <p:spPr>
             <a:xfrm>
               <a:off x="4571640" y="828000"/>
-              <a:ext cx="4467600" cy="3563640"/>
+              <a:ext cx="4467240" cy="3563280"/>
             </a:xfrm>
             <a:prstGeom prst="rect">
               <a:avLst/>
@@ -17808,8 +17808,8 @@
           </p:nvSpPr>
           <p:spPr>
             <a:xfrm rot="16200000">
-              <a:off x="5962680" y="1159560"/>
-              <a:ext cx="1736640" cy="2770560"/>
+              <a:off x="5962680" y="1159920"/>
+              <a:ext cx="1736280" cy="2770200"/>
             </a:xfrm>
             <a:prstGeom prst="roundRect">
               <a:avLst>
@@ -17876,7 +17876,7 @@
         <p:spPr>
           <a:xfrm>
             <a:off x="586440" y="1246680"/>
-            <a:ext cx="4003560" cy="3599280"/>
+            <a:ext cx="4003200" cy="3598920"/>
           </a:xfrm>
           <a:prstGeom prst="rect">
             <a:avLst/>
@@ -17928,7 +17928,7 @@
         <p:spPr>
           <a:xfrm>
             <a:off x="5446080" y="1672200"/>
-            <a:ext cx="2779560" cy="1736640"/>
+            <a:ext cx="2779200" cy="1736280"/>
           </a:xfrm>
           <a:prstGeom prst="rect">
             <a:avLst/>
@@ -17980,7 +17980,7 @@
         <p:spPr>
           <a:xfrm>
             <a:off x="586440" y="453960"/>
-            <a:ext cx="3696120" cy="854640"/>
+            <a:ext cx="3695760" cy="854280"/>
           </a:xfrm>
           <a:prstGeom prst="rect">
             <a:avLst/>
@@ -18069,7 +18069,7 @@
         <p:spPr>
           <a:xfrm>
             <a:off x="4222080" y="1246680"/>
-            <a:ext cx="4114440" cy="3599280"/>
+            <a:ext cx="4114080" cy="3598920"/>
           </a:xfrm>
           <a:prstGeom prst="rect">
             <a:avLst/>
@@ -18120,8 +18120,8 @@
         </p:nvSpPr>
         <p:spPr>
           <a:xfrm rot="16200000">
-            <a:off x="-2181600" y="1734120"/>
-            <a:ext cx="5143320" cy="1683360"/>
+            <a:off x="-2181600" y="1734480"/>
+            <a:ext cx="5142960" cy="1683000"/>
           </a:xfrm>
           <a:prstGeom prst="roundRect">
             <a:avLst>
@@ -18158,8 +18158,8 @@
         </p:nvSpPr>
         <p:spPr>
           <a:xfrm rot="2745000">
-            <a:off x="8575200" y="103320"/>
-            <a:ext cx="1131840" cy="1131480"/>
+            <a:off x="8575200" y="102960"/>
+            <a:ext cx="1131480" cy="1131120"/>
           </a:xfrm>
           <a:prstGeom prst="roundRect">
             <a:avLst>
@@ -18196,8 +18196,8 @@
         </p:nvSpPr>
         <p:spPr>
           <a:xfrm rot="16200000">
-            <a:off x="614880" y="919440"/>
-            <a:ext cx="3231360" cy="3313080"/>
+            <a:off x="614880" y="919800"/>
+            <a:ext cx="3231000" cy="3312720"/>
           </a:xfrm>
           <a:prstGeom prst="roundRect">
             <a:avLst>
@@ -18263,7 +18263,7 @@
         <p:spPr>
           <a:xfrm>
             <a:off x="4214160" y="456120"/>
-            <a:ext cx="4111200" cy="854640"/>
+            <a:ext cx="4110840" cy="854280"/>
           </a:xfrm>
           <a:prstGeom prst="rect">
             <a:avLst/>
@@ -18351,8 +18351,8 @@
         </p:nvSpPr>
         <p:spPr>
           <a:xfrm rot="2744400">
-            <a:off x="-280080" y="-25560"/>
-            <a:ext cx="703800" cy="703440"/>
+            <a:off x="-279720" y="-25560"/>
+            <a:ext cx="703440" cy="703080"/>
           </a:xfrm>
           <a:prstGeom prst="roundRect">
             <a:avLst>
@@ -18390,7 +18390,7 @@
         <p:spPr>
           <a:xfrm rot="2332200">
             <a:off x="6009120" y="-319680"/>
-            <a:ext cx="4854960" cy="7725960"/>
+            <a:ext cx="4854600" cy="7725600"/>
           </a:xfrm>
           <a:prstGeom prst="roundRect">
             <a:avLst>
@@ -18428,9 +18428,9 @@
         <p:grpSpPr>
           <a:xfrm>
             <a:off x="4571640" y="828000"/>
-            <a:ext cx="4467600" cy="3563640"/>
+            <a:ext cx="4467240" cy="3563280"/>
             <a:chOff x="4571640" y="828000"/>
-            <a:chExt cx="4467600" cy="3563640"/>
+            <a:chExt cx="4467240" cy="3563280"/>
           </a:xfrm>
         </p:grpSpPr>
         <p:pic>
@@ -18446,7 +18446,7 @@
           <p:spPr>
             <a:xfrm>
               <a:off x="4571640" y="828000"/>
-              <a:ext cx="4467600" cy="3563640"/>
+              <a:ext cx="4467240" cy="3563280"/>
             </a:xfrm>
             <a:prstGeom prst="rect">
               <a:avLst/>
@@ -18464,8 +18464,8 @@
           </p:nvSpPr>
           <p:spPr>
             <a:xfrm rot="16200000">
-              <a:off x="5962680" y="1159560"/>
-              <a:ext cx="1736640" cy="2770560"/>
+              <a:off x="5962680" y="1159920"/>
+              <a:ext cx="1736280" cy="2770200"/>
             </a:xfrm>
             <a:prstGeom prst="roundRect">
               <a:avLst>
@@ -18532,7 +18532,7 @@
         <p:spPr>
           <a:xfrm>
             <a:off x="5446080" y="1672200"/>
-            <a:ext cx="2770200" cy="1736640"/>
+            <a:ext cx="2769840" cy="1736280"/>
           </a:xfrm>
           <a:prstGeom prst="rect">
             <a:avLst/>
@@ -18584,7 +18584,7 @@
         <p:spPr>
           <a:xfrm>
             <a:off x="586440" y="1246680"/>
-            <a:ext cx="4003560" cy="3599280"/>
+            <a:ext cx="4003200" cy="3598920"/>
           </a:xfrm>
           <a:prstGeom prst="rect">
             <a:avLst/>
@@ -18636,7 +18636,7 @@
         <p:spPr>
           <a:xfrm>
             <a:off x="586440" y="453960"/>
-            <a:ext cx="4763520" cy="854640"/>
+            <a:ext cx="4763160" cy="854280"/>
           </a:xfrm>
           <a:prstGeom prst="rect">
             <a:avLst/>
@@ -18724,8 +18724,8 @@
         </p:nvSpPr>
         <p:spPr>
           <a:xfrm rot="2745600">
-            <a:off x="8349840" y="-668160"/>
-            <a:ext cx="1497600" cy="1497600"/>
+            <a:off x="8349840" y="-667800"/>
+            <a:ext cx="1497240" cy="1497240"/>
           </a:xfrm>
           <a:prstGeom prst="roundRect">
             <a:avLst>
@@ -18763,7 +18763,7 @@
         <p:spPr>
           <a:xfrm rot="2745600">
             <a:off x="7634160" y="-322200"/>
-            <a:ext cx="806400" cy="806760"/>
+            <a:ext cx="806040" cy="806400"/>
           </a:xfrm>
           <a:prstGeom prst="roundRect">
             <a:avLst>
@@ -18802,7 +18802,7 @@
         <p:spPr>
           <a:xfrm>
             <a:off x="586440" y="899640"/>
-            <a:ext cx="7931160" cy="1536480"/>
+            <a:ext cx="7930800" cy="1536120"/>
           </a:xfrm>
           <a:prstGeom prst="rect">
             <a:avLst/>
@@ -18854,7 +18854,7 @@
         <p:spPr>
           <a:xfrm>
             <a:off x="608040" y="2545560"/>
-            <a:ext cx="3711600" cy="2255040"/>
+            <a:ext cx="3711240" cy="2254680"/>
           </a:xfrm>
           <a:prstGeom prst="rect">
             <a:avLst/>
@@ -18906,7 +18906,7 @@
         <p:spPr>
           <a:xfrm>
             <a:off x="4806360" y="2545560"/>
-            <a:ext cx="3711600" cy="2255040"/>
+            <a:ext cx="3711240" cy="2254680"/>
           </a:xfrm>
           <a:prstGeom prst="rect">
             <a:avLst/>
@@ -18958,7 +18958,7 @@
         <p:spPr>
           <a:xfrm>
             <a:off x="583200" y="450720"/>
-            <a:ext cx="7197480" cy="511560"/>
+            <a:ext cx="7197120" cy="511200"/>
           </a:xfrm>
           <a:prstGeom prst="rect">
             <a:avLst/>
@@ -19040,7 +19040,7 @@
         <p:spPr>
           <a:xfrm>
             <a:off x="586440" y="1246680"/>
-            <a:ext cx="4003560" cy="3599280"/>
+            <a:ext cx="4003200" cy="3598920"/>
           </a:xfrm>
           <a:prstGeom prst="rect">
             <a:avLst/>
@@ -19092,7 +19092,7 @@
         <p:spPr>
           <a:xfrm>
             <a:off x="559800" y="446040"/>
-            <a:ext cx="4282920" cy="682920"/>
+            <a:ext cx="4282560" cy="682560"/>
           </a:xfrm>
           <a:prstGeom prst="rect">
             <a:avLst/>
@@ -19144,7 +19144,7 @@
         <p:spPr>
           <a:xfrm>
             <a:off x="5097600" y="360"/>
-            <a:ext cx="4379040" cy="5143320"/>
+            <a:ext cx="4378680" cy="5142960"/>
           </a:xfrm>
           <a:prstGeom prst="roundRect">
             <a:avLst>
@@ -19209,8 +19209,8 @@
         </p:nvSpPr>
         <p:spPr>
           <a:xfrm rot="2744400">
-            <a:off x="-280080" y="-25560"/>
-            <a:ext cx="703800" cy="703440"/>
+            <a:off x="-279720" y="-25560"/>
+            <a:ext cx="703440" cy="703080"/>
           </a:xfrm>
           <a:prstGeom prst="roundRect">
             <a:avLst>
@@ -19247,8 +19247,8 @@
         </p:nvSpPr>
         <p:spPr>
           <a:xfrm rot="2625600">
-            <a:off x="4861080" y="4146480"/>
-            <a:ext cx="467640" cy="467640"/>
+            <a:off x="4861080" y="4146120"/>
+            <a:ext cx="467280" cy="467280"/>
           </a:xfrm>
           <a:prstGeom prst="roundRect">
             <a:avLst>
@@ -19322,8 +19322,8 @@
         </p:nvSpPr>
         <p:spPr>
           <a:xfrm rot="2744400">
-            <a:off x="-349200" y="4539600"/>
-            <a:ext cx="703800" cy="703440"/>
+            <a:off x="-348840" y="4539240"/>
+            <a:ext cx="703440" cy="703080"/>
           </a:xfrm>
           <a:prstGeom prst="roundRect">
             <a:avLst>
@@ -19360,8 +19360,8 @@
         </p:nvSpPr>
         <p:spPr>
           <a:xfrm rot="19228200">
-            <a:off x="5845680" y="-2265840"/>
-            <a:ext cx="4854600" cy="7725600"/>
+            <a:off x="5845680" y="-2265480"/>
+            <a:ext cx="4854240" cy="7725240"/>
           </a:xfrm>
           <a:prstGeom prst="roundRect">
             <a:avLst>
@@ -19399,9 +19399,9 @@
         <p:grpSpPr>
           <a:xfrm>
             <a:off x="4571640" y="828000"/>
-            <a:ext cx="4467600" cy="3563640"/>
+            <a:ext cx="4467240" cy="3563280"/>
             <a:chOff x="4571640" y="828000"/>
-            <a:chExt cx="4467600" cy="3563640"/>
+            <a:chExt cx="4467240" cy="3563280"/>
           </a:xfrm>
         </p:grpSpPr>
         <p:pic>
@@ -19417,7 +19417,7 @@
           <p:spPr>
             <a:xfrm>
               <a:off x="4571640" y="828000"/>
-              <a:ext cx="4467600" cy="3563640"/>
+              <a:ext cx="4467240" cy="3563280"/>
             </a:xfrm>
             <a:prstGeom prst="rect">
               <a:avLst/>
@@ -19435,8 +19435,8 @@
           </p:nvSpPr>
           <p:spPr>
             <a:xfrm rot="16200000">
-              <a:off x="5962680" y="1159560"/>
-              <a:ext cx="1736640" cy="2770560"/>
+              <a:off x="5962680" y="1159920"/>
+              <a:ext cx="1736280" cy="2770200"/>
             </a:xfrm>
             <a:prstGeom prst="roundRect">
               <a:avLst>
@@ -19503,7 +19503,7 @@
         <p:spPr>
           <a:xfrm>
             <a:off x="586440" y="1246680"/>
-            <a:ext cx="4003560" cy="3599280"/>
+            <a:ext cx="4003200" cy="3598920"/>
           </a:xfrm>
           <a:prstGeom prst="rect">
             <a:avLst/>
@@ -19555,7 +19555,7 @@
         <p:spPr>
           <a:xfrm>
             <a:off x="5446080" y="1672200"/>
-            <a:ext cx="2779560" cy="1736640"/>
+            <a:ext cx="2779200" cy="1736280"/>
           </a:xfrm>
           <a:prstGeom prst="rect">
             <a:avLst/>
@@ -19607,7 +19607,7 @@
         <p:spPr>
           <a:xfrm>
             <a:off x="586440" y="453960"/>
-            <a:ext cx="3696120" cy="854640"/>
+            <a:ext cx="3695760" cy="854280"/>
           </a:xfrm>
           <a:prstGeom prst="rect">
             <a:avLst/>
@@ -19696,7 +19696,7 @@
         <p:spPr>
           <a:xfrm>
             <a:off x="4222080" y="1246680"/>
-            <a:ext cx="4114440" cy="3599280"/>
+            <a:ext cx="4114080" cy="3598920"/>
           </a:xfrm>
           <a:prstGeom prst="rect">
             <a:avLst/>
@@ -19747,8 +19747,8 @@
         </p:nvSpPr>
         <p:spPr>
           <a:xfrm rot="16200000">
-            <a:off x="-2181600" y="1734120"/>
-            <a:ext cx="5143320" cy="1683360"/>
+            <a:off x="-2181600" y="1734480"/>
+            <a:ext cx="5142960" cy="1683000"/>
           </a:xfrm>
           <a:prstGeom prst="roundRect">
             <a:avLst>
@@ -19785,8 +19785,8 @@
         </p:nvSpPr>
         <p:spPr>
           <a:xfrm rot="2745000">
-            <a:off x="8575200" y="103320"/>
-            <a:ext cx="1131840" cy="1131480"/>
+            <a:off x="8575200" y="102960"/>
+            <a:ext cx="1131480" cy="1131120"/>
           </a:xfrm>
           <a:prstGeom prst="roundRect">
             <a:avLst>
@@ -19823,8 +19823,8 @@
         </p:nvSpPr>
         <p:spPr>
           <a:xfrm rot="16200000">
-            <a:off x="614880" y="919440"/>
-            <a:ext cx="3231360" cy="3313080"/>
+            <a:off x="614880" y="919800"/>
+            <a:ext cx="3231000" cy="3312720"/>
           </a:xfrm>
           <a:prstGeom prst="roundRect">
             <a:avLst>
@@ -19890,7 +19890,7 @@
         <p:spPr>
           <a:xfrm>
             <a:off x="4214160" y="456120"/>
-            <a:ext cx="4111200" cy="854640"/>
+            <a:ext cx="4110840" cy="854280"/>
           </a:xfrm>
           <a:prstGeom prst="rect">
             <a:avLst/>
@@ -19979,7 +19979,7 @@
         <p:spPr>
           <a:xfrm>
             <a:off x="4222080" y="1246680"/>
-            <a:ext cx="4114440" cy="3599280"/>
+            <a:ext cx="4114080" cy="3598920"/>
           </a:xfrm>
           <a:prstGeom prst="rect">
             <a:avLst/>
@@ -20030,8 +20030,8 @@
         </p:nvSpPr>
         <p:spPr>
           <a:xfrm rot="16200000">
-            <a:off x="-2181600" y="1734120"/>
-            <a:ext cx="5143320" cy="1683360"/>
+            <a:off x="-2181600" y="1734480"/>
+            <a:ext cx="5142960" cy="1683000"/>
           </a:xfrm>
           <a:prstGeom prst="roundRect">
             <a:avLst>
@@ -20068,8 +20068,8 @@
         </p:nvSpPr>
         <p:spPr>
           <a:xfrm rot="2745000">
-            <a:off x="8575200" y="103320"/>
-            <a:ext cx="1131840" cy="1131480"/>
+            <a:off x="8575200" y="102960"/>
+            <a:ext cx="1131480" cy="1131120"/>
           </a:xfrm>
           <a:prstGeom prst="roundRect">
             <a:avLst>
@@ -20106,8 +20106,8 @@
         </p:nvSpPr>
         <p:spPr>
           <a:xfrm rot="16200000">
-            <a:off x="614880" y="919440"/>
-            <a:ext cx="3231360" cy="3313080"/>
+            <a:off x="614880" y="919800"/>
+            <a:ext cx="3231000" cy="3312720"/>
           </a:xfrm>
           <a:prstGeom prst="roundRect">
             <a:avLst>
@@ -20173,7 +20173,7 @@
         <p:spPr>
           <a:xfrm>
             <a:off x="4214160" y="456120"/>
-            <a:ext cx="4111200" cy="854640"/>
+            <a:ext cx="4110840" cy="854280"/>
           </a:xfrm>
           <a:prstGeom prst="rect">
             <a:avLst/>
@@ -20261,8 +20261,8 @@
         </p:nvSpPr>
         <p:spPr>
           <a:xfrm rot="2744400">
-            <a:off x="-280080" y="-25560"/>
-            <a:ext cx="703800" cy="703440"/>
+            <a:off x="-279720" y="-25560"/>
+            <a:ext cx="703440" cy="703080"/>
           </a:xfrm>
           <a:prstGeom prst="roundRect">
             <a:avLst>
@@ -20300,7 +20300,7 @@
         <p:spPr>
           <a:xfrm rot="2332200">
             <a:off x="6009120" y="-319680"/>
-            <a:ext cx="4854960" cy="7725960"/>
+            <a:ext cx="4854600" cy="7725600"/>
           </a:xfrm>
           <a:prstGeom prst="roundRect">
             <a:avLst>
@@ -20338,9 +20338,9 @@
         <p:grpSpPr>
           <a:xfrm>
             <a:off x="4571640" y="828000"/>
-            <a:ext cx="4467600" cy="3563640"/>
+            <a:ext cx="4467240" cy="3563280"/>
             <a:chOff x="4571640" y="828000"/>
-            <a:chExt cx="4467600" cy="3563640"/>
+            <a:chExt cx="4467240" cy="3563280"/>
           </a:xfrm>
         </p:grpSpPr>
         <p:pic>
@@ -20356,7 +20356,7 @@
           <p:spPr>
             <a:xfrm>
               <a:off x="4571640" y="828000"/>
-              <a:ext cx="4467600" cy="3563640"/>
+              <a:ext cx="4467240" cy="3563280"/>
             </a:xfrm>
             <a:prstGeom prst="rect">
               <a:avLst/>
@@ -20374,8 +20374,8 @@
           </p:nvSpPr>
           <p:spPr>
             <a:xfrm rot="16200000">
-              <a:off x="5962680" y="1159560"/>
-              <a:ext cx="1736640" cy="2770560"/>
+              <a:off x="5962680" y="1159920"/>
+              <a:ext cx="1736280" cy="2770200"/>
             </a:xfrm>
             <a:prstGeom prst="roundRect">
               <a:avLst>
@@ -20442,7 +20442,7 @@
         <p:spPr>
           <a:xfrm>
             <a:off x="5446080" y="1672200"/>
-            <a:ext cx="2770200" cy="1736640"/>
+            <a:ext cx="2769840" cy="1736280"/>
           </a:xfrm>
           <a:prstGeom prst="rect">
             <a:avLst/>
@@ -20494,7 +20494,7 @@
         <p:spPr>
           <a:xfrm>
             <a:off x="586440" y="1246680"/>
-            <a:ext cx="4003560" cy="3599280"/>
+            <a:ext cx="4003200" cy="3598920"/>
           </a:xfrm>
           <a:prstGeom prst="rect">
             <a:avLst/>
@@ -20546,7 +20546,7 @@
         <p:spPr>
           <a:xfrm>
             <a:off x="586440" y="453960"/>
-            <a:ext cx="4763520" cy="854640"/>
+            <a:ext cx="4763160" cy="854280"/>
           </a:xfrm>
           <a:prstGeom prst="rect">
             <a:avLst/>
@@ -20634,8 +20634,8 @@
         </p:nvSpPr>
         <p:spPr>
           <a:xfrm rot="2745600">
-            <a:off x="8349840" y="-668160"/>
-            <a:ext cx="1497600" cy="1497600"/>
+            <a:off x="8349840" y="-667800"/>
+            <a:ext cx="1497240" cy="1497240"/>
           </a:xfrm>
           <a:prstGeom prst="roundRect">
             <a:avLst>
@@ -20673,7 +20673,7 @@
         <p:spPr>
           <a:xfrm rot="2745600">
             <a:off x="7634160" y="-322200"/>
-            <a:ext cx="806400" cy="806760"/>
+            <a:ext cx="806040" cy="806400"/>
           </a:xfrm>
           <a:prstGeom prst="roundRect">
             <a:avLst>
@@ -20712,7 +20712,7 @@
         <p:spPr>
           <a:xfrm>
             <a:off x="586440" y="899640"/>
-            <a:ext cx="7931160" cy="1536480"/>
+            <a:ext cx="7930800" cy="1536120"/>
           </a:xfrm>
           <a:prstGeom prst="rect">
             <a:avLst/>
@@ -20764,7 +20764,7 @@
         <p:spPr>
           <a:xfrm>
             <a:off x="608040" y="2545560"/>
-            <a:ext cx="3711600" cy="2255040"/>
+            <a:ext cx="3711240" cy="2254680"/>
           </a:xfrm>
           <a:prstGeom prst="rect">
             <a:avLst/>
@@ -20816,7 +20816,7 @@
         <p:spPr>
           <a:xfrm>
             <a:off x="4806360" y="2545560"/>
-            <a:ext cx="3711600" cy="2255040"/>
+            <a:ext cx="3711240" cy="2254680"/>
           </a:xfrm>
           <a:prstGeom prst="rect">
             <a:avLst/>
@@ -20868,7 +20868,7 @@
         <p:spPr>
           <a:xfrm>
             <a:off x="583200" y="450720"/>
-            <a:ext cx="7197480" cy="511560"/>
+            <a:ext cx="7197120" cy="511200"/>
           </a:xfrm>
           <a:prstGeom prst="rect">
             <a:avLst/>
@@ -20950,7 +20950,7 @@
         <p:spPr>
           <a:xfrm>
             <a:off x="586440" y="1246680"/>
-            <a:ext cx="4003560" cy="3599280"/>
+            <a:ext cx="4003200" cy="3598920"/>
           </a:xfrm>
           <a:prstGeom prst="rect">
             <a:avLst/>
@@ -21002,7 +21002,7 @@
         <p:spPr>
           <a:xfrm>
             <a:off x="559800" y="446040"/>
-            <a:ext cx="4282920" cy="682920"/>
+            <a:ext cx="4282560" cy="682560"/>
           </a:xfrm>
           <a:prstGeom prst="rect">
             <a:avLst/>
@@ -21054,7 +21054,7 @@
         <p:spPr>
           <a:xfrm>
             <a:off x="5097600" y="360"/>
-            <a:ext cx="4379040" cy="5143320"/>
+            <a:ext cx="4378680" cy="5142960"/>
           </a:xfrm>
           <a:prstGeom prst="roundRect">
             <a:avLst>
@@ -21119,8 +21119,8 @@
         </p:nvSpPr>
         <p:spPr>
           <a:xfrm rot="2744400">
-            <a:off x="-280080" y="-25560"/>
-            <a:ext cx="703800" cy="703440"/>
+            <a:off x="-279720" y="-25560"/>
+            <a:ext cx="703440" cy="703080"/>
           </a:xfrm>
           <a:prstGeom prst="roundRect">
             <a:avLst>
@@ -21157,8 +21157,8 @@
         </p:nvSpPr>
         <p:spPr>
           <a:xfrm rot="2625600">
-            <a:off x="4861080" y="4146480"/>
-            <a:ext cx="467640" cy="467640"/>
+            <a:off x="4861080" y="4146120"/>
+            <a:ext cx="467280" cy="467280"/>
           </a:xfrm>
           <a:prstGeom prst="roundRect">
             <a:avLst>
@@ -21232,8 +21232,8 @@
         </p:nvSpPr>
         <p:spPr>
           <a:xfrm rot="2744400">
-            <a:off x="-280080" y="-25560"/>
-            <a:ext cx="703800" cy="703440"/>
+            <a:off x="-279720" y="-25560"/>
+            <a:ext cx="703440" cy="703080"/>
           </a:xfrm>
           <a:prstGeom prst="roundRect">
             <a:avLst>
@@ -21271,7 +21271,7 @@
         <p:spPr>
           <a:xfrm>
             <a:off x="569160" y="1888920"/>
-            <a:ext cx="4820400" cy="820800"/>
+            <a:ext cx="4820040" cy="820800"/>
           </a:xfrm>
           <a:prstGeom prst="rect">
             <a:avLst/>
@@ -21322,8 +21322,8 @@
         </p:nvSpPr>
         <p:spPr>
           <a:xfrm rot="18679800">
-            <a:off x="6782040" y="457920"/>
-            <a:ext cx="6249960" cy="4665600"/>
+            <a:off x="6781680" y="457920"/>
+            <a:ext cx="6249600" cy="4665240"/>
           </a:xfrm>
           <a:prstGeom prst="roundRect">
             <a:avLst>
@@ -21360,8 +21360,8 @@
         </p:nvSpPr>
         <p:spPr>
           <a:xfrm rot="2625600">
-            <a:off x="6024960" y="4332600"/>
-            <a:ext cx="467640" cy="467640"/>
+            <a:off x="6024960" y="4332240"/>
+            <a:ext cx="467280" cy="467280"/>
           </a:xfrm>
           <a:prstGeom prst="roundRect">
             <a:avLst>
@@ -21399,7 +21399,7 @@
         <p:spPr>
           <a:xfrm>
             <a:off x="1640880" y="4592880"/>
-            <a:ext cx="2994840" cy="265680"/>
+            <a:ext cx="2994480" cy="265320"/>
           </a:xfrm>
           <a:prstGeom prst="rect">
             <a:avLst/>
@@ -21461,7 +21461,7 @@
         <p:spPr>
           <a:xfrm>
             <a:off x="867240" y="3590280"/>
-            <a:ext cx="252720" cy="253080"/>
+            <a:ext cx="252360" cy="252720"/>
           </a:xfrm>
           <a:prstGeom prst="ellipse">
             <a:avLst/>
@@ -21496,7 +21496,7 @@
         <p:spPr>
           <a:xfrm>
             <a:off x="351000" y="3793320"/>
-            <a:ext cx="1285200" cy="1130760"/>
+            <a:ext cx="1284840" cy="1130400"/>
           </a:xfrm>
           <a:prstGeom prst="rect">
             <a:avLst/>
@@ -21551,8 +21551,8 @@
         </p:nvSpPr>
         <p:spPr>
           <a:xfrm rot="2744400">
-            <a:off x="-280080" y="-25560"/>
-            <a:ext cx="703800" cy="703440"/>
+            <a:off x="-279720" y="-25560"/>
+            <a:ext cx="703440" cy="703080"/>
           </a:xfrm>
           <a:prstGeom prst="roundRect">
             <a:avLst>
@@ -21590,7 +21590,7 @@
         <p:spPr>
           <a:xfrm rot="2332200">
             <a:off x="6009120" y="-319680"/>
-            <a:ext cx="4854960" cy="7725960"/>
+            <a:ext cx="4854600" cy="7725600"/>
           </a:xfrm>
           <a:prstGeom prst="roundRect">
             <a:avLst>
@@ -21628,9 +21628,9 @@
         <p:grpSpPr>
           <a:xfrm>
             <a:off x="4571640" y="828000"/>
-            <a:ext cx="4467600" cy="3563640"/>
+            <a:ext cx="4467240" cy="3563280"/>
             <a:chOff x="4571640" y="828000"/>
-            <a:chExt cx="4467600" cy="3563640"/>
+            <a:chExt cx="4467240" cy="3563280"/>
           </a:xfrm>
         </p:grpSpPr>
         <p:pic>
@@ -21646,7 +21646,7 @@
           <p:spPr>
             <a:xfrm>
               <a:off x="4571640" y="828000"/>
-              <a:ext cx="4467600" cy="3563640"/>
+              <a:ext cx="4467240" cy="3563280"/>
             </a:xfrm>
             <a:prstGeom prst="rect">
               <a:avLst/>
@@ -21664,8 +21664,8 @@
           </p:nvSpPr>
           <p:spPr>
             <a:xfrm rot="16200000">
-              <a:off x="5962680" y="1159560"/>
-              <a:ext cx="1736640" cy="2770560"/>
+              <a:off x="5962680" y="1159920"/>
+              <a:ext cx="1736280" cy="2770200"/>
             </a:xfrm>
             <a:prstGeom prst="roundRect">
               <a:avLst>
@@ -21732,7 +21732,7 @@
         <p:spPr>
           <a:xfrm>
             <a:off x="5446080" y="1672200"/>
-            <a:ext cx="2770200" cy="1736640"/>
+            <a:ext cx="2769840" cy="1736280"/>
           </a:xfrm>
           <a:prstGeom prst="rect">
             <a:avLst/>
@@ -21784,7 +21784,7 @@
         <p:spPr>
           <a:xfrm>
             <a:off x="586440" y="1246680"/>
-            <a:ext cx="4003560" cy="3599280"/>
+            <a:ext cx="4003200" cy="3598920"/>
           </a:xfrm>
           <a:prstGeom prst="rect">
             <a:avLst/>
@@ -21836,7 +21836,7 @@
         <p:spPr>
           <a:xfrm>
             <a:off x="586440" y="453960"/>
-            <a:ext cx="4763520" cy="854640"/>
+            <a:ext cx="4763160" cy="854280"/>
           </a:xfrm>
           <a:prstGeom prst="rect">
             <a:avLst/>
@@ -21924,8 +21924,8 @@
         </p:nvSpPr>
         <p:spPr>
           <a:xfrm rot="2745600">
-            <a:off x="8349840" y="-668160"/>
-            <a:ext cx="1497600" cy="1497600"/>
+            <a:off x="8349840" y="-667800"/>
+            <a:ext cx="1497240" cy="1497240"/>
           </a:xfrm>
           <a:prstGeom prst="roundRect">
             <a:avLst>
@@ -21963,7 +21963,7 @@
         <p:spPr>
           <a:xfrm rot="2745600">
             <a:off x="7634160" y="-322200"/>
-            <a:ext cx="806400" cy="806760"/>
+            <a:ext cx="806040" cy="806400"/>
           </a:xfrm>
           <a:prstGeom prst="roundRect">
             <a:avLst>
@@ -22002,7 +22002,7 @@
         <p:spPr>
           <a:xfrm>
             <a:off x="586440" y="899640"/>
-            <a:ext cx="7931160" cy="1536480"/>
+            <a:ext cx="7930800" cy="1536120"/>
           </a:xfrm>
           <a:prstGeom prst="rect">
             <a:avLst/>
@@ -22054,7 +22054,7 @@
         <p:spPr>
           <a:xfrm>
             <a:off x="608040" y="2545560"/>
-            <a:ext cx="3711600" cy="2255040"/>
+            <a:ext cx="3711240" cy="2254680"/>
           </a:xfrm>
           <a:prstGeom prst="rect">
             <a:avLst/>
@@ -22106,7 +22106,7 @@
         <p:spPr>
           <a:xfrm>
             <a:off x="4806360" y="2545560"/>
-            <a:ext cx="3711600" cy="2255040"/>
+            <a:ext cx="3711240" cy="2254680"/>
           </a:xfrm>
           <a:prstGeom prst="rect">
             <a:avLst/>
@@ -22158,7 +22158,7 @@
         <p:spPr>
           <a:xfrm>
             <a:off x="583200" y="450720"/>
-            <a:ext cx="7197480" cy="511560"/>
+            <a:ext cx="7197120" cy="511200"/>
           </a:xfrm>
           <a:prstGeom prst="rect">
             <a:avLst/>
@@ -22240,7 +22240,7 @@
         <p:spPr>
           <a:xfrm>
             <a:off x="586440" y="1246680"/>
-            <a:ext cx="4003560" cy="3599280"/>
+            <a:ext cx="4003200" cy="3598920"/>
           </a:xfrm>
           <a:prstGeom prst="rect">
             <a:avLst/>
@@ -22292,7 +22292,7 @@
         <p:spPr>
           <a:xfrm>
             <a:off x="559800" y="446040"/>
-            <a:ext cx="4282920" cy="682920"/>
+            <a:ext cx="4282560" cy="682560"/>
           </a:xfrm>
           <a:prstGeom prst="rect">
             <a:avLst/>
@@ -22344,7 +22344,7 @@
         <p:spPr>
           <a:xfrm>
             <a:off x="5097600" y="360"/>
-            <a:ext cx="4379040" cy="5143320"/>
+            <a:ext cx="4378680" cy="5142960"/>
           </a:xfrm>
           <a:prstGeom prst="roundRect">
             <a:avLst>
@@ -22409,8 +22409,8 @@
         </p:nvSpPr>
         <p:spPr>
           <a:xfrm rot="2744400">
-            <a:off x="-280080" y="-25560"/>
-            <a:ext cx="703800" cy="703440"/>
+            <a:off x="-279720" y="-25560"/>
+            <a:ext cx="703440" cy="703080"/>
           </a:xfrm>
           <a:prstGeom prst="roundRect">
             <a:avLst>
@@ -22447,8 +22447,8 @@
         </p:nvSpPr>
         <p:spPr>
           <a:xfrm rot="2625600">
-            <a:off x="4861080" y="4146480"/>
-            <a:ext cx="467640" cy="467640"/>
+            <a:off x="4861080" y="4146120"/>
+            <a:ext cx="467280" cy="467280"/>
           </a:xfrm>
           <a:prstGeom prst="roundRect">
             <a:avLst>
@@ -22522,8 +22522,8 @@
         </p:nvSpPr>
         <p:spPr>
           <a:xfrm rot="2744400">
-            <a:off x="-349200" y="4539600"/>
-            <a:ext cx="703800" cy="703440"/>
+            <a:off x="-348840" y="4539240"/>
+            <a:ext cx="703440" cy="703080"/>
           </a:xfrm>
           <a:prstGeom prst="roundRect">
             <a:avLst>
@@ -22560,8 +22560,8 @@
         </p:nvSpPr>
         <p:spPr>
           <a:xfrm rot="19228200">
-            <a:off x="5845680" y="-2265840"/>
-            <a:ext cx="4854600" cy="7725600"/>
+            <a:off x="5845680" y="-2265480"/>
+            <a:ext cx="4854240" cy="7725240"/>
           </a:xfrm>
           <a:prstGeom prst="roundRect">
             <a:avLst>
@@ -22599,9 +22599,9 @@
         <p:grpSpPr>
           <a:xfrm>
             <a:off x="4571640" y="828000"/>
-            <a:ext cx="4467600" cy="3563640"/>
+            <a:ext cx="4467240" cy="3563280"/>
             <a:chOff x="4571640" y="828000"/>
-            <a:chExt cx="4467600" cy="3563640"/>
+            <a:chExt cx="4467240" cy="3563280"/>
           </a:xfrm>
         </p:grpSpPr>
         <p:pic>
@@ -22617,7 +22617,7 @@
           <p:spPr>
             <a:xfrm>
               <a:off x="4571640" y="828000"/>
-              <a:ext cx="4467600" cy="3563640"/>
+              <a:ext cx="4467240" cy="3563280"/>
             </a:xfrm>
             <a:prstGeom prst="rect">
               <a:avLst/>
@@ -22635,8 +22635,8 @@
           </p:nvSpPr>
           <p:spPr>
             <a:xfrm rot="16200000">
-              <a:off x="5962680" y="1159560"/>
-              <a:ext cx="1736640" cy="2770560"/>
+              <a:off x="5962680" y="1159920"/>
+              <a:ext cx="1736280" cy="2770200"/>
             </a:xfrm>
             <a:prstGeom prst="roundRect">
               <a:avLst>
@@ -22703,7 +22703,7 @@
         <p:spPr>
           <a:xfrm>
             <a:off x="586440" y="1246680"/>
-            <a:ext cx="4003560" cy="3599280"/>
+            <a:ext cx="4003200" cy="3598920"/>
           </a:xfrm>
           <a:prstGeom prst="rect">
             <a:avLst/>
@@ -22755,7 +22755,7 @@
         <p:spPr>
           <a:xfrm>
             <a:off x="5446080" y="1672200"/>
-            <a:ext cx="2779560" cy="1736640"/>
+            <a:ext cx="2779200" cy="1736280"/>
           </a:xfrm>
           <a:prstGeom prst="rect">
             <a:avLst/>
@@ -22807,7 +22807,7 @@
         <p:spPr>
           <a:xfrm>
             <a:off x="586440" y="453960"/>
-            <a:ext cx="3696120" cy="854640"/>
+            <a:ext cx="3695760" cy="854280"/>
           </a:xfrm>
           <a:prstGeom prst="rect">
             <a:avLst/>
@@ -22896,7 +22896,7 @@
         <p:spPr>
           <a:xfrm>
             <a:off x="4222080" y="1246680"/>
-            <a:ext cx="4114440" cy="3599280"/>
+            <a:ext cx="4114080" cy="3598920"/>
           </a:xfrm>
           <a:prstGeom prst="rect">
             <a:avLst/>
@@ -22947,8 +22947,8 @@
         </p:nvSpPr>
         <p:spPr>
           <a:xfrm rot="16200000">
-            <a:off x="-2181600" y="1734120"/>
-            <a:ext cx="5143320" cy="1683360"/>
+            <a:off x="-2181600" y="1734480"/>
+            <a:ext cx="5142960" cy="1683000"/>
           </a:xfrm>
           <a:prstGeom prst="roundRect">
             <a:avLst>
@@ -22985,8 +22985,8 @@
         </p:nvSpPr>
         <p:spPr>
           <a:xfrm rot="2745000">
-            <a:off x="8575200" y="103320"/>
-            <a:ext cx="1131840" cy="1131480"/>
+            <a:off x="8575200" y="102960"/>
+            <a:ext cx="1131480" cy="1131120"/>
           </a:xfrm>
           <a:prstGeom prst="roundRect">
             <a:avLst>
@@ -23023,8 +23023,8 @@
         </p:nvSpPr>
         <p:spPr>
           <a:xfrm rot="16200000">
-            <a:off x="614880" y="919440"/>
-            <a:ext cx="3231360" cy="3313080"/>
+            <a:off x="614880" y="919800"/>
+            <a:ext cx="3231000" cy="3312720"/>
           </a:xfrm>
           <a:prstGeom prst="roundRect">
             <a:avLst>
@@ -23090,7 +23090,7 @@
         <p:spPr>
           <a:xfrm>
             <a:off x="4214160" y="456120"/>
-            <a:ext cx="4111200" cy="854640"/>
+            <a:ext cx="4110840" cy="854280"/>
           </a:xfrm>
           <a:prstGeom prst="rect">
             <a:avLst/>
